--- a/material&paper/论文中的图/画图.pptx
+++ b/material&paper/论文中的图/画图.pptx
@@ -5,7 +5,7 @@
     <p:sldMasterId id="2147483648" r:id="rId1"/>
   </p:sldMasterIdLst>
   <p:notesMasterIdLst>
-    <p:notesMasterId r:id="rId19"/>
+    <p:notesMasterId r:id="rId20"/>
   </p:notesMasterIdLst>
   <p:sldIdLst>
     <p:sldId id="256" r:id="rId2"/>
@@ -13,18 +13,19 @@
     <p:sldId id="259" r:id="rId4"/>
     <p:sldId id="258" r:id="rId5"/>
     <p:sldId id="257" r:id="rId6"/>
-    <p:sldId id="261" r:id="rId7"/>
-    <p:sldId id="263" r:id="rId8"/>
-    <p:sldId id="265" r:id="rId9"/>
-    <p:sldId id="270" r:id="rId10"/>
-    <p:sldId id="268" r:id="rId11"/>
-    <p:sldId id="269" r:id="rId12"/>
-    <p:sldId id="271" r:id="rId13"/>
-    <p:sldId id="272" r:id="rId14"/>
-    <p:sldId id="273" r:id="rId15"/>
-    <p:sldId id="274" r:id="rId16"/>
-    <p:sldId id="276" r:id="rId17"/>
-    <p:sldId id="275" r:id="rId18"/>
+    <p:sldId id="277" r:id="rId7"/>
+    <p:sldId id="261" r:id="rId8"/>
+    <p:sldId id="263" r:id="rId9"/>
+    <p:sldId id="265" r:id="rId10"/>
+    <p:sldId id="270" r:id="rId11"/>
+    <p:sldId id="268" r:id="rId12"/>
+    <p:sldId id="269" r:id="rId13"/>
+    <p:sldId id="271" r:id="rId14"/>
+    <p:sldId id="272" r:id="rId15"/>
+    <p:sldId id="273" r:id="rId16"/>
+    <p:sldId id="274" r:id="rId17"/>
+    <p:sldId id="276" r:id="rId18"/>
+    <p:sldId id="275" r:id="rId19"/>
   </p:sldIdLst>
   <p:sldSz cx="9144000" cy="6858000" type="screen4x3"/>
   <p:notesSz cx="6858000" cy="9144000"/>
@@ -28610,6 +28611,177 @@
           <a:chExt cx="0" cy="0"/>
         </a:xfrm>
       </p:grpSpPr>
+      <p:grpSp>
+        <p:nvGrpSpPr>
+          <p:cNvPr id="2" name="组合 1">
+            <a:extLst>
+              <a:ext uri="{FF2B5EF4-FFF2-40B4-BE49-F238E27FC236}">
+                <a16:creationId xmlns:a16="http://schemas.microsoft.com/office/drawing/2014/main" id="{F5AD7882-E0D5-429A-B084-C67A54A2614A}"/>
+              </a:ext>
+            </a:extLst>
+          </p:cNvPr>
+          <p:cNvGrpSpPr/>
+          <p:nvPr/>
+        </p:nvGrpSpPr>
+        <p:grpSpPr>
+          <a:xfrm>
+            <a:off x="-19050" y="2023215"/>
+            <a:ext cx="9182102" cy="3028834"/>
+            <a:chOff x="-19050" y="2023215"/>
+            <a:chExt cx="9182102" cy="3028834"/>
+          </a:xfrm>
+        </p:grpSpPr>
+        <p:graphicFrame>
+          <p:nvGraphicFramePr>
+            <p:cNvPr id="6" name="图表 5">
+              <a:extLst>
+                <a:ext uri="{FF2B5EF4-FFF2-40B4-BE49-F238E27FC236}">
+                  <a16:creationId xmlns:a16="http://schemas.microsoft.com/office/drawing/2014/main" id="{C36F0904-15E9-4074-A62C-CA681F9F5965}"/>
+                </a:ext>
+              </a:extLst>
+            </p:cNvPr>
+            <p:cNvGraphicFramePr>
+              <a:graphicFrameLocks/>
+            </p:cNvGraphicFramePr>
+            <p:nvPr/>
+          </p:nvGraphicFramePr>
+          <p:xfrm>
+            <a:off x="4591052" y="2023215"/>
+            <a:ext cx="4572000" cy="2743200"/>
+          </p:xfrm>
+          <a:graphic>
+            <a:graphicData uri="http://schemas.openxmlformats.org/drawingml/2006/chart">
+              <c:chart xmlns:c="http://schemas.openxmlformats.org/drawingml/2006/chart" xmlns:r="http://schemas.openxmlformats.org/officeDocument/2006/relationships" r:id="rId2"/>
+            </a:graphicData>
+          </a:graphic>
+        </p:graphicFrame>
+        <p:graphicFrame>
+          <p:nvGraphicFramePr>
+            <p:cNvPr id="7" name="图表 6">
+              <a:extLst>
+                <a:ext uri="{FF2B5EF4-FFF2-40B4-BE49-F238E27FC236}">
+                  <a16:creationId xmlns:a16="http://schemas.microsoft.com/office/drawing/2014/main" id="{048AE29C-2D21-4A1C-A150-14C5FB94F403}"/>
+                </a:ext>
+              </a:extLst>
+            </p:cNvPr>
+            <p:cNvGraphicFramePr>
+              <a:graphicFrameLocks/>
+            </p:cNvGraphicFramePr>
+            <p:nvPr/>
+          </p:nvGraphicFramePr>
+          <p:xfrm>
+            <a:off x="-19050" y="2026920"/>
+            <a:ext cx="4572000" cy="2743200"/>
+          </p:xfrm>
+          <a:graphic>
+            <a:graphicData uri="http://schemas.openxmlformats.org/drawingml/2006/chart">
+              <c:chart xmlns:c="http://schemas.openxmlformats.org/drawingml/2006/chart" xmlns:r="http://schemas.openxmlformats.org/officeDocument/2006/relationships" r:id="rId3"/>
+            </a:graphicData>
+          </a:graphic>
+        </p:graphicFrame>
+        <p:sp>
+          <p:nvSpPr>
+            <p:cNvPr id="8" name="文本框 7">
+              <a:extLst>
+                <a:ext uri="{FF2B5EF4-FFF2-40B4-BE49-F238E27FC236}">
+                  <a16:creationId xmlns:a16="http://schemas.microsoft.com/office/drawing/2014/main" id="{9BA82CD9-AACC-401B-9F48-6059E075525E}"/>
+                </a:ext>
+              </a:extLst>
+            </p:cNvPr>
+            <p:cNvSpPr txBox="1"/>
+            <p:nvPr/>
+          </p:nvSpPr>
+          <p:spPr>
+            <a:xfrm>
+              <a:off x="2091261" y="4773958"/>
+              <a:ext cx="351378" cy="276999"/>
+            </a:xfrm>
+            <a:prstGeom prst="rect">
+              <a:avLst/>
+            </a:prstGeom>
+            <a:noFill/>
+          </p:spPr>
+          <p:txBody>
+            <a:bodyPr wrap="square" rtlCol="0">
+              <a:spAutoFit/>
+            </a:bodyPr>
+            <a:lstStyle/>
+            <a:p>
+              <a:r>
+                <a:rPr lang="en-US" altLang="zh-CN" sz="1200" dirty="0"/>
+                <a:t>(a)</a:t>
+              </a:r>
+              <a:endParaRPr lang="zh-CN" altLang="en-US" sz="1200" dirty="0"/>
+            </a:p>
+          </p:txBody>
+        </p:sp>
+        <p:sp>
+          <p:nvSpPr>
+            <p:cNvPr id="9" name="文本框 8">
+              <a:extLst>
+                <a:ext uri="{FF2B5EF4-FFF2-40B4-BE49-F238E27FC236}">
+                  <a16:creationId xmlns:a16="http://schemas.microsoft.com/office/drawing/2014/main" id="{5BA4C762-9637-4AF4-A1AB-DF389668A740}"/>
+                </a:ext>
+              </a:extLst>
+            </p:cNvPr>
+            <p:cNvSpPr txBox="1"/>
+            <p:nvPr/>
+          </p:nvSpPr>
+          <p:spPr>
+            <a:xfrm>
+              <a:off x="6701363" y="4775050"/>
+              <a:ext cx="351378" cy="276999"/>
+            </a:xfrm>
+            <a:prstGeom prst="rect">
+              <a:avLst/>
+            </a:prstGeom>
+            <a:noFill/>
+          </p:spPr>
+          <p:txBody>
+            <a:bodyPr wrap="square" rtlCol="0">
+              <a:spAutoFit/>
+            </a:bodyPr>
+            <a:lstStyle/>
+            <a:p>
+              <a:r>
+                <a:rPr lang="en-US" altLang="zh-CN" sz="1200" dirty="0"/>
+                <a:t>(b)</a:t>
+              </a:r>
+              <a:endParaRPr lang="zh-CN" altLang="en-US" sz="1200" dirty="0"/>
+            </a:p>
+          </p:txBody>
+        </p:sp>
+      </p:grpSp>
+    </p:spTree>
+    <p:extLst>
+      <p:ext uri="{BB962C8B-B14F-4D97-AF65-F5344CB8AC3E}">
+        <p14:creationId xmlns:p14="http://schemas.microsoft.com/office/powerpoint/2010/main" val="2118734967"/>
+      </p:ext>
+    </p:extLst>
+  </p:cSld>
+  <p:clrMapOvr>
+    <a:masterClrMapping/>
+  </p:clrMapOvr>
+</p:sld>
+</file>
+
+<file path=ppt/slides/slide11.xml><?xml version="1.0" encoding="utf-8"?>
+<p:sld xmlns:a="http://schemas.openxmlformats.org/drawingml/2006/main" xmlns:r="http://schemas.openxmlformats.org/officeDocument/2006/relationships" xmlns:p="http://schemas.openxmlformats.org/presentationml/2006/main">
+  <p:cSld>
+    <p:spTree>
+      <p:nvGrpSpPr>
+        <p:cNvPr id="1" name=""/>
+        <p:cNvGrpSpPr/>
+        <p:nvPr/>
+      </p:nvGrpSpPr>
+      <p:grpSpPr>
+        <a:xfrm>
+          <a:off x="0" y="0"/>
+          <a:ext cx="0" cy="0"/>
+          <a:chOff x="0" y="0"/>
+          <a:chExt cx="0" cy="0"/>
+        </a:xfrm>
+      </p:grpSpPr>
       <p:sp>
         <p:nvSpPr>
           <p:cNvPr id="6" name="文本框 5">
@@ -28754,7 +28926,7 @@
 </p:sld>
 </file>
 
-<file path=ppt/slides/slide11.xml><?xml version="1.0" encoding="utf-8"?>
+<file path=ppt/slides/slide12.xml><?xml version="1.0" encoding="utf-8"?>
 <p:sld xmlns:a="http://schemas.openxmlformats.org/drawingml/2006/main" xmlns:r="http://schemas.openxmlformats.org/officeDocument/2006/relationships" xmlns:p="http://schemas.openxmlformats.org/presentationml/2006/main">
   <p:cSld>
     <p:spTree>
@@ -28936,7 +29108,7 @@
 </p:sld>
 </file>
 
-<file path=ppt/slides/slide12.xml><?xml version="1.0" encoding="utf-8"?>
+<file path=ppt/slides/slide13.xml><?xml version="1.0" encoding="utf-8"?>
 <p:sld xmlns:a="http://schemas.openxmlformats.org/drawingml/2006/main" xmlns:r="http://schemas.openxmlformats.org/officeDocument/2006/relationships" xmlns:p="http://schemas.openxmlformats.org/presentationml/2006/main">
   <p:cSld>
     <p:spTree>
@@ -28996,7 +29168,7 @@
 </p:sld>
 </file>
 
-<file path=ppt/slides/slide13.xml><?xml version="1.0" encoding="utf-8"?>
+<file path=ppt/slides/slide14.xml><?xml version="1.0" encoding="utf-8"?>
 <p:sld xmlns:a="http://schemas.openxmlformats.org/drawingml/2006/main" xmlns:r="http://schemas.openxmlformats.org/officeDocument/2006/relationships" xmlns:p="http://schemas.openxmlformats.org/presentationml/2006/main">
   <p:cSld>
     <p:spTree>
@@ -29050,7 +29222,7 @@
 </p:sld>
 </file>
 
-<file path=ppt/slides/slide14.xml><?xml version="1.0" encoding="utf-8"?>
+<file path=ppt/slides/slide15.xml><?xml version="1.0" encoding="utf-8"?>
 <p:sld xmlns:a="http://schemas.openxmlformats.org/drawingml/2006/main" xmlns:r="http://schemas.openxmlformats.org/officeDocument/2006/relationships" xmlns:p="http://schemas.openxmlformats.org/presentationml/2006/main">
   <p:cSld>
     <p:spTree>
@@ -29104,7 +29276,7 @@
 </p:sld>
 </file>
 
-<file path=ppt/slides/slide15.xml><?xml version="1.0" encoding="utf-8"?>
+<file path=ppt/slides/slide16.xml><?xml version="1.0" encoding="utf-8"?>
 <p:sld xmlns:a="http://schemas.openxmlformats.org/drawingml/2006/main" xmlns:r="http://schemas.openxmlformats.org/officeDocument/2006/relationships" xmlns:p="http://schemas.openxmlformats.org/presentationml/2006/main">
   <p:cSld>
     <p:spTree>
@@ -29158,7 +29330,7 @@
 </p:sld>
 </file>
 
-<file path=ppt/slides/slide16.xml><?xml version="1.0" encoding="utf-8"?>
+<file path=ppt/slides/slide17.xml><?xml version="1.0" encoding="utf-8"?>
 <p:sld xmlns:a="http://schemas.openxmlformats.org/drawingml/2006/main" xmlns:r="http://schemas.openxmlformats.org/officeDocument/2006/relationships" xmlns:p="http://schemas.openxmlformats.org/presentationml/2006/main">
   <p:cSld>
     <p:spTree>
@@ -29212,7 +29384,7 @@
 </p:sld>
 </file>
 
-<file path=ppt/slides/slide17.xml><?xml version="1.0" encoding="utf-8"?>
+<file path=ppt/slides/slide18.xml><?xml version="1.0" encoding="utf-8"?>
 <p:sld xmlns:a="http://schemas.openxmlformats.org/drawingml/2006/main" xmlns:r="http://schemas.openxmlformats.org/officeDocument/2006/relationships" xmlns:p="http://schemas.openxmlformats.org/presentationml/2006/main">
   <p:cSld>
     <p:spTree>
@@ -31020,10 +31192,10 @@
       </p:grpSpPr>
       <p:grpSp>
         <p:nvGrpSpPr>
-          <p:cNvPr id="7" name="组合 6">
+          <p:cNvPr id="5" name="组合 4">
             <a:extLst>
               <a:ext uri="{FF2B5EF4-FFF2-40B4-BE49-F238E27FC236}">
-                <a16:creationId xmlns:a16="http://schemas.microsoft.com/office/drawing/2014/main" id="{D3DF90B9-29F4-4289-A813-1C0181AAC54A}"/>
+                <a16:creationId xmlns:a16="http://schemas.microsoft.com/office/drawing/2014/main" id="{4BD21346-FA68-4CF5-8E67-25F88ECF6A1D}"/>
               </a:ext>
             </a:extLst>
           </p:cNvPr>
@@ -31038,1077 +31210,1056 @@
             <a:chExt cx="5983051" cy="4870323"/>
           </a:xfrm>
         </p:grpSpPr>
-        <p:grpSp>
-          <p:nvGrpSpPr>
-            <p:cNvPr id="3" name="组合 2">
-              <a:extLst>
-                <a:ext uri="{FF2B5EF4-FFF2-40B4-BE49-F238E27FC236}">
-                  <a16:creationId xmlns:a16="http://schemas.microsoft.com/office/drawing/2014/main" id="{50D35E50-6D96-491A-8A0F-30CD3B4CC779}"/>
-                </a:ext>
-              </a:extLst>
-            </p:cNvPr>
-            <p:cNvGrpSpPr/>
+        <p:sp>
+          <p:nvSpPr>
+            <p:cNvPr id="6" name="矩形 5"/>
+            <p:cNvSpPr/>
             <p:nvPr/>
-          </p:nvGrpSpPr>
-          <p:grpSpPr>
+          </p:nvSpPr>
+          <p:spPr>
             <a:xfrm>
-              <a:off x="1129197" y="1214422"/>
-              <a:ext cx="5983051" cy="4870323"/>
-              <a:chOff x="1129197" y="1214422"/>
-              <a:chExt cx="5983051" cy="4870323"/>
+              <a:off x="1714480" y="1214422"/>
+              <a:ext cx="5274000" cy="4179600"/>
             </a:xfrm>
-          </p:grpSpPr>
-          <p:sp>
-            <p:nvSpPr>
-              <p:cNvPr id="6" name="矩形 5"/>
-              <p:cNvSpPr/>
-              <p:nvPr/>
-            </p:nvSpPr>
-            <p:spPr>
-              <a:xfrm>
-                <a:off x="1714480" y="1214422"/>
-                <a:ext cx="5274000" cy="4179600"/>
-              </a:xfrm>
-              <a:prstGeom prst="rect">
-                <a:avLst/>
-              </a:prstGeom>
+            <a:prstGeom prst="rect">
+              <a:avLst/>
+            </a:prstGeom>
+            <a:solidFill>
+              <a:schemeClr val="bg1"/>
+            </a:solidFill>
+            <a:ln w="19050">
               <a:solidFill>
-                <a:schemeClr val="bg1"/>
+                <a:schemeClr val="tx1"/>
               </a:solidFill>
-              <a:ln w="19050">
-                <a:solidFill>
-                  <a:schemeClr val="tx1"/>
-                </a:solidFill>
-              </a:ln>
-            </p:spPr>
-            <p:style>
-              <a:lnRef idx="2">
-                <a:schemeClr val="accent1">
-                  <a:shade val="50000"/>
-                </a:schemeClr>
-              </a:lnRef>
-              <a:fillRef idx="1">
-                <a:schemeClr val="accent1"/>
-              </a:fillRef>
-              <a:effectRef idx="0">
-                <a:schemeClr val="accent1"/>
-              </a:effectRef>
-              <a:fontRef idx="minor">
-                <a:schemeClr val="lt1"/>
-              </a:fontRef>
-            </p:style>
-            <p:txBody>
-              <a:bodyPr rtlCol="0" anchor="ctr"/>
-              <a:lstStyle/>
-              <a:p>
-                <a:pPr algn="ctr"/>
-                <a:endParaRPr lang="zh-CN" altLang="en-US" dirty="0"/>
-              </a:p>
-            </p:txBody>
-          </p:sp>
-          <p:pic>
-            <p:nvPicPr>
-              <p:cNvPr id="22" name="图片 21" descr="图片1.png"/>
-              <p:cNvPicPr>
-                <a:picLocks noChangeAspect="1"/>
-              </p:cNvPicPr>
-              <p:nvPr/>
-            </p:nvPicPr>
-            <p:blipFill>
-              <a:blip r:embed="rId2"/>
-              <a:srcRect r="76264"/>
-              <a:stretch>
-                <a:fillRect/>
-              </a:stretch>
-            </p:blipFill>
-            <p:spPr>
-              <a:xfrm>
-                <a:off x="5786446" y="2428868"/>
-                <a:ext cx="1143008" cy="1816458"/>
-              </a:xfrm>
-              <a:prstGeom prst="rect">
-                <a:avLst/>
-              </a:prstGeom>
-            </p:spPr>
-          </p:pic>
-          <p:pic>
-            <p:nvPicPr>
-              <p:cNvPr id="21" name="图片 20" descr="图片1.png"/>
-              <p:cNvPicPr>
-                <a:picLocks noChangeAspect="1"/>
-              </p:cNvPicPr>
-              <p:nvPr/>
-            </p:nvPicPr>
-            <p:blipFill>
-              <a:blip r:embed="rId2"/>
-              <a:srcRect l="75219"/>
-              <a:stretch>
-                <a:fillRect/>
-              </a:stretch>
-            </p:blipFill>
-            <p:spPr>
-              <a:xfrm>
-                <a:off x="1714480" y="2428868"/>
-                <a:ext cx="1193307" cy="1816458"/>
-              </a:xfrm>
-              <a:prstGeom prst="rect">
-                <a:avLst/>
-              </a:prstGeom>
-            </p:spPr>
-          </p:pic>
-          <p:cxnSp>
-            <p:nvCxnSpPr>
-              <p:cNvPr id="8" name="直接连接符 7"/>
-              <p:cNvCxnSpPr>
-                <a:stCxn id="6" idx="0"/>
-                <a:endCxn id="6" idx="2"/>
-              </p:cNvCxnSpPr>
-              <p:nvPr/>
-            </p:nvCxnSpPr>
-            <p:spPr>
-              <a:xfrm rot="16200000" flipH="1">
-                <a:off x="2261680" y="3304222"/>
-                <a:ext cx="4179600" cy="1588"/>
-              </a:xfrm>
-              <a:prstGeom prst="line">
-                <a:avLst/>
-              </a:prstGeom>
-              <a:ln w="19050">
-                <a:solidFill>
-                  <a:schemeClr val="tx1"/>
-                </a:solidFill>
-              </a:ln>
-            </p:spPr>
-            <p:style>
-              <a:lnRef idx="1">
-                <a:schemeClr val="accent1"/>
-              </a:lnRef>
-              <a:fillRef idx="0">
-                <a:schemeClr val="accent1"/>
-              </a:fillRef>
-              <a:effectRef idx="0">
-                <a:schemeClr val="accent1"/>
-              </a:effectRef>
-              <a:fontRef idx="minor">
+            </a:ln>
+          </p:spPr>
+          <p:style>
+            <a:lnRef idx="2">
+              <a:schemeClr val="accent1">
+                <a:shade val="50000"/>
+              </a:schemeClr>
+            </a:lnRef>
+            <a:fillRef idx="1">
+              <a:schemeClr val="accent1"/>
+            </a:fillRef>
+            <a:effectRef idx="0">
+              <a:schemeClr val="accent1"/>
+            </a:effectRef>
+            <a:fontRef idx="minor">
+              <a:schemeClr val="lt1"/>
+            </a:fontRef>
+          </p:style>
+          <p:txBody>
+            <a:bodyPr rtlCol="0" anchor="ctr"/>
+            <a:lstStyle/>
+            <a:p>
+              <a:pPr algn="ctr"/>
+              <a:endParaRPr lang="zh-CN" altLang="en-US" dirty="0"/>
+            </a:p>
+          </p:txBody>
+        </p:sp>
+        <p:pic>
+          <p:nvPicPr>
+            <p:cNvPr id="22" name="图片 21" descr="图片1.png"/>
+            <p:cNvPicPr>
+              <a:picLocks noChangeAspect="1"/>
+            </p:cNvPicPr>
+            <p:nvPr/>
+          </p:nvPicPr>
+          <p:blipFill>
+            <a:blip r:embed="rId2"/>
+            <a:srcRect r="76264"/>
+            <a:stretch>
+              <a:fillRect/>
+            </a:stretch>
+          </p:blipFill>
+          <p:spPr>
+            <a:xfrm>
+              <a:off x="5786446" y="2428868"/>
+              <a:ext cx="1143008" cy="1816458"/>
+            </a:xfrm>
+            <a:prstGeom prst="rect">
+              <a:avLst/>
+            </a:prstGeom>
+          </p:spPr>
+        </p:pic>
+        <p:pic>
+          <p:nvPicPr>
+            <p:cNvPr id="21" name="图片 20" descr="图片1.png"/>
+            <p:cNvPicPr>
+              <a:picLocks noChangeAspect="1"/>
+            </p:cNvPicPr>
+            <p:nvPr/>
+          </p:nvPicPr>
+          <p:blipFill>
+            <a:blip r:embed="rId2"/>
+            <a:srcRect l="75219"/>
+            <a:stretch>
+              <a:fillRect/>
+            </a:stretch>
+          </p:blipFill>
+          <p:spPr>
+            <a:xfrm>
+              <a:off x="1714480" y="2428868"/>
+              <a:ext cx="1193307" cy="1816458"/>
+            </a:xfrm>
+            <a:prstGeom prst="rect">
+              <a:avLst/>
+            </a:prstGeom>
+          </p:spPr>
+        </p:pic>
+        <p:cxnSp>
+          <p:nvCxnSpPr>
+            <p:cNvPr id="8" name="直接连接符 7"/>
+            <p:cNvCxnSpPr>
+              <a:stCxn id="6" idx="0"/>
+              <a:endCxn id="6" idx="2"/>
+            </p:cNvCxnSpPr>
+            <p:nvPr/>
+          </p:nvCxnSpPr>
+          <p:spPr>
+            <a:xfrm rot="16200000" flipH="1">
+              <a:off x="2261680" y="3304222"/>
+              <a:ext cx="4179600" cy="1588"/>
+            </a:xfrm>
+            <a:prstGeom prst="line">
+              <a:avLst/>
+            </a:prstGeom>
+            <a:ln w="19050">
+              <a:solidFill>
                 <a:schemeClr val="tx1"/>
-              </a:fontRef>
-            </p:style>
-          </p:cxnSp>
-          <p:sp>
-            <p:nvSpPr>
-              <p:cNvPr id="13" name="矩形 12"/>
-              <p:cNvSpPr/>
-              <p:nvPr/>
-            </p:nvSpPr>
-            <p:spPr>
-              <a:xfrm>
-                <a:off x="1571604" y="3143248"/>
-                <a:ext cx="128582" cy="357190"/>
-              </a:xfrm>
-              <a:prstGeom prst="rect">
-                <a:avLst/>
-              </a:prstGeom>
+              </a:solidFill>
+            </a:ln>
+          </p:spPr>
+          <p:style>
+            <a:lnRef idx="1">
+              <a:schemeClr val="accent1"/>
+            </a:lnRef>
+            <a:fillRef idx="0">
+              <a:schemeClr val="accent1"/>
+            </a:fillRef>
+            <a:effectRef idx="0">
+              <a:schemeClr val="accent1"/>
+            </a:effectRef>
+            <a:fontRef idx="minor">
+              <a:schemeClr val="tx1"/>
+            </a:fontRef>
+          </p:style>
+        </p:cxnSp>
+        <p:sp>
+          <p:nvSpPr>
+            <p:cNvPr id="13" name="矩形 12"/>
+            <p:cNvSpPr/>
+            <p:nvPr/>
+          </p:nvSpPr>
+          <p:spPr>
+            <a:xfrm>
+              <a:off x="1571604" y="3143248"/>
+              <a:ext cx="128582" cy="357190"/>
+            </a:xfrm>
+            <a:prstGeom prst="rect">
+              <a:avLst/>
+            </a:prstGeom>
+            <a:solidFill>
+              <a:schemeClr val="bg1"/>
+            </a:solidFill>
+            <a:ln w="6350">
               <a:solidFill>
-                <a:schemeClr val="bg1"/>
+                <a:schemeClr val="tx1"/>
               </a:solidFill>
-              <a:ln w="6350">
-                <a:solidFill>
-                  <a:schemeClr val="tx1"/>
-                </a:solidFill>
-              </a:ln>
-            </p:spPr>
-            <p:style>
-              <a:lnRef idx="2">
-                <a:schemeClr val="accent1">
-                  <a:shade val="50000"/>
-                </a:schemeClr>
-              </a:lnRef>
-              <a:fillRef idx="1">
-                <a:schemeClr val="accent1"/>
-              </a:fillRef>
-              <a:effectRef idx="0">
-                <a:schemeClr val="accent1"/>
-              </a:effectRef>
-              <a:fontRef idx="minor">
-                <a:schemeClr val="lt1"/>
-              </a:fontRef>
-            </p:style>
-            <p:txBody>
-              <a:bodyPr rtlCol="0" anchor="ctr"/>
-              <a:lstStyle/>
-              <a:p>
-                <a:pPr algn="ctr"/>
-                <a:endParaRPr lang="zh-CN" altLang="en-US"/>
-              </a:p>
-            </p:txBody>
-          </p:sp>
-          <p:sp>
-            <p:nvSpPr>
-              <p:cNvPr id="15" name="矩形 14"/>
-              <p:cNvSpPr/>
-              <p:nvPr/>
-            </p:nvSpPr>
-            <p:spPr>
-              <a:xfrm>
-                <a:off x="1714480" y="2130744"/>
-                <a:ext cx="889200" cy="2340000"/>
-              </a:xfrm>
-              <a:prstGeom prst="rect">
-                <a:avLst/>
-              </a:prstGeom>
+            </a:ln>
+          </p:spPr>
+          <p:style>
+            <a:lnRef idx="2">
+              <a:schemeClr val="accent1">
+                <a:shade val="50000"/>
+              </a:schemeClr>
+            </a:lnRef>
+            <a:fillRef idx="1">
+              <a:schemeClr val="accent1"/>
+            </a:fillRef>
+            <a:effectRef idx="0">
+              <a:schemeClr val="accent1"/>
+            </a:effectRef>
+            <a:fontRef idx="minor">
+              <a:schemeClr val="lt1"/>
+            </a:fontRef>
+          </p:style>
+          <p:txBody>
+            <a:bodyPr rtlCol="0" anchor="ctr"/>
+            <a:lstStyle/>
+            <a:p>
+              <a:pPr algn="ctr"/>
+              <a:endParaRPr lang="zh-CN" altLang="en-US"/>
+            </a:p>
+          </p:txBody>
+        </p:sp>
+        <p:sp>
+          <p:nvSpPr>
+            <p:cNvPr id="15" name="矩形 14"/>
+            <p:cNvSpPr/>
+            <p:nvPr/>
+          </p:nvSpPr>
+          <p:spPr>
+            <a:xfrm>
+              <a:off x="1714480" y="2130744"/>
+              <a:ext cx="889200" cy="2340000"/>
+            </a:xfrm>
+            <a:prstGeom prst="rect">
+              <a:avLst/>
+            </a:prstGeom>
+            <a:solidFill>
+              <a:schemeClr val="bg1"/>
+            </a:solidFill>
+            <a:ln w="19050">
               <a:solidFill>
-                <a:schemeClr val="bg1"/>
+                <a:schemeClr val="tx1"/>
               </a:solidFill>
-              <a:ln w="19050">
-                <a:solidFill>
-                  <a:schemeClr val="tx1"/>
-                </a:solidFill>
-              </a:ln>
-            </p:spPr>
-            <p:style>
-              <a:lnRef idx="2">
-                <a:schemeClr val="accent1">
-                  <a:shade val="50000"/>
-                </a:schemeClr>
-              </a:lnRef>
-              <a:fillRef idx="1">
-                <a:schemeClr val="accent1"/>
-              </a:fillRef>
-              <a:effectRef idx="0">
-                <a:schemeClr val="accent1"/>
-              </a:effectRef>
-              <a:fontRef idx="minor">
-                <a:schemeClr val="lt1"/>
-              </a:fontRef>
-            </p:style>
-            <p:txBody>
-              <a:bodyPr rtlCol="0" anchor="ctr"/>
-              <a:lstStyle/>
-              <a:p>
-                <a:pPr algn="ctr"/>
-                <a:endParaRPr lang="zh-CN" altLang="en-US"/>
-              </a:p>
-            </p:txBody>
-          </p:sp>
-          <p:sp>
-            <p:nvSpPr>
-              <p:cNvPr id="16" name="矩形 15"/>
-              <p:cNvSpPr/>
-              <p:nvPr/>
-            </p:nvSpPr>
-            <p:spPr>
-              <a:xfrm>
-                <a:off x="6094466" y="2143116"/>
-                <a:ext cx="889200" cy="2340000"/>
-              </a:xfrm>
-              <a:prstGeom prst="rect">
-                <a:avLst/>
-              </a:prstGeom>
+            </a:ln>
+          </p:spPr>
+          <p:style>
+            <a:lnRef idx="2">
+              <a:schemeClr val="accent1">
+                <a:shade val="50000"/>
+              </a:schemeClr>
+            </a:lnRef>
+            <a:fillRef idx="1">
+              <a:schemeClr val="accent1"/>
+            </a:fillRef>
+            <a:effectRef idx="0">
+              <a:schemeClr val="accent1"/>
+            </a:effectRef>
+            <a:fontRef idx="minor">
+              <a:schemeClr val="lt1"/>
+            </a:fontRef>
+          </p:style>
+          <p:txBody>
+            <a:bodyPr rtlCol="0" anchor="ctr"/>
+            <a:lstStyle/>
+            <a:p>
+              <a:pPr algn="ctr"/>
+              <a:endParaRPr lang="zh-CN" altLang="en-US"/>
+            </a:p>
+          </p:txBody>
+        </p:sp>
+        <p:sp>
+          <p:nvSpPr>
+            <p:cNvPr id="16" name="矩形 15"/>
+            <p:cNvSpPr/>
+            <p:nvPr/>
+          </p:nvSpPr>
+          <p:spPr>
+            <a:xfrm>
+              <a:off x="6094466" y="2143116"/>
+              <a:ext cx="889200" cy="2340000"/>
+            </a:xfrm>
+            <a:prstGeom prst="rect">
+              <a:avLst/>
+            </a:prstGeom>
+            <a:solidFill>
+              <a:schemeClr val="bg1"/>
+            </a:solidFill>
+            <a:ln w="19050">
               <a:solidFill>
-                <a:schemeClr val="bg1"/>
+                <a:schemeClr val="tx1"/>
               </a:solidFill>
-              <a:ln w="19050">
-                <a:solidFill>
-                  <a:schemeClr val="tx1"/>
-                </a:solidFill>
-              </a:ln>
-            </p:spPr>
-            <p:style>
-              <a:lnRef idx="2">
-                <a:schemeClr val="accent1">
-                  <a:shade val="50000"/>
-                </a:schemeClr>
-              </a:lnRef>
-              <a:fillRef idx="1">
-                <a:schemeClr val="accent1"/>
-              </a:fillRef>
-              <a:effectRef idx="0">
-                <a:schemeClr val="accent1"/>
-              </a:effectRef>
-              <a:fontRef idx="minor">
-                <a:schemeClr val="lt1"/>
-              </a:fontRef>
-            </p:style>
-            <p:txBody>
-              <a:bodyPr rtlCol="0" anchor="ctr"/>
-              <a:lstStyle/>
-              <a:p>
-                <a:pPr algn="ctr"/>
-                <a:endParaRPr lang="zh-CN" altLang="en-US"/>
-              </a:p>
-            </p:txBody>
-          </p:sp>
-          <p:sp>
-            <p:nvSpPr>
-              <p:cNvPr id="23" name="矩形 22"/>
-              <p:cNvSpPr/>
-              <p:nvPr/>
-            </p:nvSpPr>
-            <p:spPr>
-              <a:xfrm>
-                <a:off x="6983666" y="3143248"/>
-                <a:ext cx="128582" cy="357190"/>
-              </a:xfrm>
-              <a:prstGeom prst="rect">
-                <a:avLst/>
-              </a:prstGeom>
+            </a:ln>
+          </p:spPr>
+          <p:style>
+            <a:lnRef idx="2">
+              <a:schemeClr val="accent1">
+                <a:shade val="50000"/>
+              </a:schemeClr>
+            </a:lnRef>
+            <a:fillRef idx="1">
+              <a:schemeClr val="accent1"/>
+            </a:fillRef>
+            <a:effectRef idx="0">
+              <a:schemeClr val="accent1"/>
+            </a:effectRef>
+            <a:fontRef idx="minor">
+              <a:schemeClr val="lt1"/>
+            </a:fontRef>
+          </p:style>
+          <p:txBody>
+            <a:bodyPr rtlCol="0" anchor="ctr"/>
+            <a:lstStyle/>
+            <a:p>
+              <a:pPr algn="ctr"/>
+              <a:endParaRPr lang="zh-CN" altLang="en-US"/>
+            </a:p>
+          </p:txBody>
+        </p:sp>
+        <p:sp>
+          <p:nvSpPr>
+            <p:cNvPr id="23" name="矩形 22"/>
+            <p:cNvSpPr/>
+            <p:nvPr/>
+          </p:nvSpPr>
+          <p:spPr>
+            <a:xfrm>
+              <a:off x="6983666" y="3143248"/>
+              <a:ext cx="128582" cy="357190"/>
+            </a:xfrm>
+            <a:prstGeom prst="rect">
+              <a:avLst/>
+            </a:prstGeom>
+            <a:solidFill>
+              <a:schemeClr val="bg1"/>
+            </a:solidFill>
+            <a:ln w="6350">
               <a:solidFill>
-                <a:schemeClr val="bg1"/>
+                <a:schemeClr val="tx1"/>
               </a:solidFill>
-              <a:ln w="6350">
-                <a:solidFill>
-                  <a:schemeClr val="tx1"/>
-                </a:solidFill>
-              </a:ln>
-            </p:spPr>
-            <p:style>
-              <a:lnRef idx="2">
-                <a:schemeClr val="accent1">
-                  <a:shade val="50000"/>
-                </a:schemeClr>
-              </a:lnRef>
-              <a:fillRef idx="1">
-                <a:schemeClr val="accent1"/>
-              </a:fillRef>
-              <a:effectRef idx="0">
-                <a:schemeClr val="accent1"/>
-              </a:effectRef>
-              <a:fontRef idx="minor">
-                <a:schemeClr val="lt1"/>
-              </a:fontRef>
-            </p:style>
-            <p:txBody>
-              <a:bodyPr rtlCol="0" anchor="ctr"/>
-              <a:lstStyle/>
-              <a:p>
-                <a:pPr algn="ctr"/>
-                <a:endParaRPr lang="zh-CN" altLang="en-US"/>
-              </a:p>
-            </p:txBody>
-          </p:sp>
-          <p:sp>
-            <p:nvSpPr>
-              <p:cNvPr id="24" name="矩形 23"/>
-              <p:cNvSpPr/>
-              <p:nvPr/>
-            </p:nvSpPr>
-            <p:spPr>
-              <a:xfrm>
-                <a:off x="1714480" y="2857496"/>
-                <a:ext cx="403200" cy="853200"/>
-              </a:xfrm>
-              <a:prstGeom prst="rect">
-                <a:avLst/>
-              </a:prstGeom>
+            </a:ln>
+          </p:spPr>
+          <p:style>
+            <a:lnRef idx="2">
+              <a:schemeClr val="accent1">
+                <a:shade val="50000"/>
+              </a:schemeClr>
+            </a:lnRef>
+            <a:fillRef idx="1">
+              <a:schemeClr val="accent1"/>
+            </a:fillRef>
+            <a:effectRef idx="0">
+              <a:schemeClr val="accent1"/>
+            </a:effectRef>
+            <a:fontRef idx="minor">
+              <a:schemeClr val="lt1"/>
+            </a:fontRef>
+          </p:style>
+          <p:txBody>
+            <a:bodyPr rtlCol="0" anchor="ctr"/>
+            <a:lstStyle/>
+            <a:p>
+              <a:pPr algn="ctr"/>
+              <a:endParaRPr lang="zh-CN" altLang="en-US"/>
+            </a:p>
+          </p:txBody>
+        </p:sp>
+        <p:sp>
+          <p:nvSpPr>
+            <p:cNvPr id="24" name="矩形 23"/>
+            <p:cNvSpPr/>
+            <p:nvPr/>
+          </p:nvSpPr>
+          <p:spPr>
+            <a:xfrm>
+              <a:off x="1714480" y="2857496"/>
+              <a:ext cx="403200" cy="853200"/>
+            </a:xfrm>
+            <a:prstGeom prst="rect">
+              <a:avLst/>
+            </a:prstGeom>
+            <a:solidFill>
+              <a:schemeClr val="bg1"/>
+            </a:solidFill>
+            <a:ln w="19050">
               <a:solidFill>
-                <a:schemeClr val="bg1"/>
+                <a:schemeClr val="tx1"/>
               </a:solidFill>
-              <a:ln w="19050">
-                <a:solidFill>
-                  <a:schemeClr val="tx1"/>
-                </a:solidFill>
-              </a:ln>
-            </p:spPr>
-            <p:style>
-              <a:lnRef idx="2">
-                <a:schemeClr val="accent1">
-                  <a:shade val="50000"/>
-                </a:schemeClr>
-              </a:lnRef>
-              <a:fillRef idx="1">
-                <a:schemeClr val="accent1"/>
-              </a:fillRef>
-              <a:effectRef idx="0">
-                <a:schemeClr val="accent1"/>
-              </a:effectRef>
-              <a:fontRef idx="minor">
-                <a:schemeClr val="lt1"/>
-              </a:fontRef>
-            </p:style>
-            <p:txBody>
-              <a:bodyPr rtlCol="0" anchor="ctr"/>
-              <a:lstStyle/>
-              <a:p>
-                <a:pPr algn="ctr"/>
-                <a:endParaRPr lang="zh-CN" altLang="en-US"/>
-              </a:p>
-            </p:txBody>
-          </p:sp>
-          <p:sp>
-            <p:nvSpPr>
-              <p:cNvPr id="25" name="矩形 24"/>
-              <p:cNvSpPr/>
-              <p:nvPr/>
-            </p:nvSpPr>
-            <p:spPr>
-              <a:xfrm>
-                <a:off x="6580466" y="2857496"/>
-                <a:ext cx="403200" cy="853200"/>
-              </a:xfrm>
-              <a:prstGeom prst="rect">
-                <a:avLst/>
-              </a:prstGeom>
+            </a:ln>
+          </p:spPr>
+          <p:style>
+            <a:lnRef idx="2">
+              <a:schemeClr val="accent1">
+                <a:shade val="50000"/>
+              </a:schemeClr>
+            </a:lnRef>
+            <a:fillRef idx="1">
+              <a:schemeClr val="accent1"/>
+            </a:fillRef>
+            <a:effectRef idx="0">
+              <a:schemeClr val="accent1"/>
+            </a:effectRef>
+            <a:fontRef idx="minor">
+              <a:schemeClr val="lt1"/>
+            </a:fontRef>
+          </p:style>
+          <p:txBody>
+            <a:bodyPr rtlCol="0" anchor="ctr"/>
+            <a:lstStyle/>
+            <a:p>
+              <a:pPr algn="ctr"/>
+              <a:endParaRPr lang="zh-CN" altLang="en-US"/>
+            </a:p>
+          </p:txBody>
+        </p:sp>
+        <p:sp>
+          <p:nvSpPr>
+            <p:cNvPr id="25" name="矩形 24"/>
+            <p:cNvSpPr/>
+            <p:nvPr/>
+          </p:nvSpPr>
+          <p:spPr>
+            <a:xfrm>
+              <a:off x="6580466" y="2857496"/>
+              <a:ext cx="403200" cy="853200"/>
+            </a:xfrm>
+            <a:prstGeom prst="rect">
+              <a:avLst/>
+            </a:prstGeom>
+            <a:solidFill>
+              <a:schemeClr val="bg1"/>
+            </a:solidFill>
+            <a:ln w="19050">
               <a:solidFill>
-                <a:schemeClr val="bg1"/>
+                <a:schemeClr val="tx1"/>
               </a:solidFill>
-              <a:ln w="19050">
-                <a:solidFill>
-                  <a:schemeClr val="tx1"/>
-                </a:solidFill>
-              </a:ln>
-            </p:spPr>
-            <p:style>
-              <a:lnRef idx="2">
-                <a:schemeClr val="accent1">
-                  <a:shade val="50000"/>
-                </a:schemeClr>
-              </a:lnRef>
-              <a:fillRef idx="1">
-                <a:schemeClr val="accent1"/>
-              </a:fillRef>
-              <a:effectRef idx="0">
-                <a:schemeClr val="accent1"/>
-              </a:effectRef>
-              <a:fontRef idx="minor">
-                <a:schemeClr val="lt1"/>
-              </a:fontRef>
-            </p:style>
-            <p:txBody>
-              <a:bodyPr rtlCol="0" anchor="ctr"/>
-              <a:lstStyle/>
-              <a:p>
-                <a:pPr algn="ctr"/>
-                <a:endParaRPr lang="zh-CN" altLang="en-US"/>
-              </a:p>
-            </p:txBody>
-          </p:sp>
-          <p:cxnSp>
-            <p:nvCxnSpPr>
-              <p:cNvPr id="14" name="直接箭头连接符 13"/>
-              <p:cNvCxnSpPr/>
-              <p:nvPr/>
-            </p:nvCxnSpPr>
-            <p:spPr>
-              <a:xfrm rot="5400000" flipH="1" flipV="1">
-                <a:off x="857224" y="5715016"/>
-                <a:ext cx="572298" cy="794"/>
-              </a:xfrm>
-              <a:prstGeom prst="straightConnector1">
-                <a:avLst/>
-              </a:prstGeom>
-              <a:ln>
-                <a:solidFill>
-                  <a:schemeClr val="tx1"/>
-                </a:solidFill>
-                <a:tailEnd type="arrow"/>
-              </a:ln>
-            </p:spPr>
-            <p:style>
-              <a:lnRef idx="1">
-                <a:schemeClr val="accent1"/>
-              </a:lnRef>
-              <a:fillRef idx="0">
-                <a:schemeClr val="accent1"/>
-              </a:fillRef>
-              <a:effectRef idx="0">
-                <a:schemeClr val="accent1"/>
-              </a:effectRef>
-              <a:fontRef idx="minor">
+            </a:ln>
+          </p:spPr>
+          <p:style>
+            <a:lnRef idx="2">
+              <a:schemeClr val="accent1">
+                <a:shade val="50000"/>
+              </a:schemeClr>
+            </a:lnRef>
+            <a:fillRef idx="1">
+              <a:schemeClr val="accent1"/>
+            </a:fillRef>
+            <a:effectRef idx="0">
+              <a:schemeClr val="accent1"/>
+            </a:effectRef>
+            <a:fontRef idx="minor">
+              <a:schemeClr val="lt1"/>
+            </a:fontRef>
+          </p:style>
+          <p:txBody>
+            <a:bodyPr rtlCol="0" anchor="ctr"/>
+            <a:lstStyle/>
+            <a:p>
+              <a:pPr algn="ctr"/>
+              <a:endParaRPr lang="zh-CN" altLang="en-US"/>
+            </a:p>
+          </p:txBody>
+        </p:sp>
+        <p:cxnSp>
+          <p:nvCxnSpPr>
+            <p:cNvPr id="14" name="直接箭头连接符 13"/>
+            <p:cNvCxnSpPr/>
+            <p:nvPr/>
+          </p:nvCxnSpPr>
+          <p:spPr>
+            <a:xfrm rot="5400000" flipH="1" flipV="1">
+              <a:off x="857224" y="5715016"/>
+              <a:ext cx="572298" cy="794"/>
+            </a:xfrm>
+            <a:prstGeom prst="straightConnector1">
+              <a:avLst/>
+            </a:prstGeom>
+            <a:ln>
+              <a:solidFill>
                 <a:schemeClr val="tx1"/>
-              </a:fontRef>
-            </p:style>
-          </p:cxnSp>
-          <p:cxnSp>
-            <p:nvCxnSpPr>
-              <p:cNvPr id="18" name="直接箭头连接符 17"/>
-              <p:cNvCxnSpPr/>
-              <p:nvPr/>
-            </p:nvCxnSpPr>
-            <p:spPr>
-              <a:xfrm>
-                <a:off x="1143770" y="6000768"/>
-                <a:ext cx="571504" cy="1588"/>
-              </a:xfrm>
-              <a:prstGeom prst="straightConnector1">
-                <a:avLst/>
-              </a:prstGeom>
-              <a:ln>
-                <a:solidFill>
-                  <a:schemeClr val="tx1"/>
-                </a:solidFill>
-                <a:tailEnd type="arrow"/>
-              </a:ln>
-            </p:spPr>
-            <p:style>
-              <a:lnRef idx="1">
-                <a:schemeClr val="accent1"/>
-              </a:lnRef>
-              <a:fillRef idx="0">
-                <a:schemeClr val="accent1"/>
-              </a:fillRef>
-              <a:effectRef idx="0">
-                <a:schemeClr val="accent1"/>
-              </a:effectRef>
-              <a:fontRef idx="minor">
+              </a:solidFill>
+              <a:tailEnd type="arrow"/>
+            </a:ln>
+          </p:spPr>
+          <p:style>
+            <a:lnRef idx="1">
+              <a:schemeClr val="accent1"/>
+            </a:lnRef>
+            <a:fillRef idx="0">
+              <a:schemeClr val="accent1"/>
+            </a:fillRef>
+            <a:effectRef idx="0">
+              <a:schemeClr val="accent1"/>
+            </a:effectRef>
+            <a:fontRef idx="minor">
+              <a:schemeClr val="tx1"/>
+            </a:fontRef>
+          </p:style>
+        </p:cxnSp>
+        <p:cxnSp>
+          <p:nvCxnSpPr>
+            <p:cNvPr id="18" name="直接箭头连接符 17"/>
+            <p:cNvCxnSpPr/>
+            <p:nvPr/>
+          </p:nvCxnSpPr>
+          <p:spPr>
+            <a:xfrm>
+              <a:off x="1143770" y="6000768"/>
+              <a:ext cx="571504" cy="1588"/>
+            </a:xfrm>
+            <a:prstGeom prst="straightConnector1">
+              <a:avLst/>
+            </a:prstGeom>
+            <a:ln>
+              <a:solidFill>
                 <a:schemeClr val="tx1"/>
-              </a:fontRef>
-            </p:style>
-          </p:cxnSp>
-          <mc:AlternateContent xmlns:mc="http://schemas.openxmlformats.org/markup-compatibility/2006" xmlns:a14="http://schemas.microsoft.com/office/drawing/2010/main">
-            <mc:Choice Requires="a14">
-              <p:sp>
-                <p:nvSpPr>
-                  <p:cNvPr id="27" name="TextBox 26"/>
-                  <p:cNvSpPr txBox="1"/>
-                  <p:nvPr/>
-                </p:nvSpPr>
-                <p:spPr>
-                  <a:xfrm>
-                    <a:off x="1671989" y="5715413"/>
-                    <a:ext cx="367986" cy="369332"/>
-                  </a:xfrm>
-                  <a:prstGeom prst="rect">
-                    <a:avLst/>
-                  </a:prstGeom>
-                  <a:noFill/>
-                </p:spPr>
-                <p:txBody>
-                  <a:bodyPr wrap="none" rtlCol="0">
-                    <a:spAutoFit/>
-                  </a:bodyPr>
-                  <a:lstStyle/>
-                  <a:p>
-                    <a:pPr/>
-                    <a14:m>
-                      <m:oMathPara xmlns:m="http://schemas.openxmlformats.org/officeDocument/2006/math">
-                        <m:oMathParaPr>
-                          <m:jc m:val="centerGroup"/>
-                        </m:oMathParaPr>
-                        <m:oMath xmlns:m="http://schemas.openxmlformats.org/officeDocument/2006/math">
-                          <m:r>
-                            <a:rPr lang="en-US" altLang="zh-CN" i="1" dirty="0" smtClean="0">
-                              <a:latin typeface="Cambria Math" panose="02040503050406030204" pitchFamily="18" charset="0"/>
-                            </a:rPr>
-                            <m:t>𝑥</m:t>
-                          </m:r>
-                        </m:oMath>
-                      </m:oMathPara>
-                    </a14:m>
-                    <a:endParaRPr lang="zh-CN" altLang="en-US" dirty="0"/>
-                  </a:p>
-                </p:txBody>
-              </p:sp>
-            </mc:Choice>
-            <mc:Fallback xmlns="">
-              <p:sp>
-                <p:nvSpPr>
-                  <p:cNvPr id="27" name="TextBox 26"/>
-                  <p:cNvSpPr txBox="1">
-                    <a:spLocks noRot="1" noChangeAspect="1" noMove="1" noResize="1" noEditPoints="1" noAdjustHandles="1" noChangeArrowheads="1" noChangeShapeType="1" noTextEdit="1"/>
-                  </p:cNvSpPr>
-                  <p:nvPr/>
-                </p:nvSpPr>
-                <p:spPr>
-                  <a:xfrm>
-                    <a:off x="1671989" y="5715413"/>
-                    <a:ext cx="367986" cy="369332"/>
-                  </a:xfrm>
-                  <a:prstGeom prst="rect">
-                    <a:avLst/>
-                  </a:prstGeom>
-                  <a:blipFill>
-                    <a:blip r:embed="rId3"/>
-                    <a:stretch>
-                      <a:fillRect/>
-                    </a:stretch>
-                  </a:blipFill>
-                </p:spPr>
-                <p:txBody>
-                  <a:bodyPr/>
-                  <a:lstStyle/>
-                  <a:p>
-                    <a:r>
-                      <a:rPr lang="zh-CN" altLang="en-US">
-                        <a:noFill/>
-                      </a:rPr>
-                      <a:t> </a:t>
-                    </a:r>
-                  </a:p>
-                </p:txBody>
-              </p:sp>
-            </mc:Fallback>
-          </mc:AlternateContent>
-          <mc:AlternateContent xmlns:mc="http://schemas.openxmlformats.org/markup-compatibility/2006" xmlns:a14="http://schemas.microsoft.com/office/drawing/2010/main">
-            <mc:Choice Requires="a14">
-              <p:sp>
-                <p:nvSpPr>
-                  <p:cNvPr id="28" name="TextBox 27"/>
-                  <p:cNvSpPr txBox="1"/>
-                  <p:nvPr/>
-                </p:nvSpPr>
-                <p:spPr>
-                  <a:xfrm>
-                    <a:off x="1129197" y="5328063"/>
-                    <a:ext cx="371384" cy="369332"/>
-                  </a:xfrm>
-                  <a:prstGeom prst="rect">
-                    <a:avLst/>
-                  </a:prstGeom>
-                  <a:noFill/>
-                </p:spPr>
-                <p:txBody>
-                  <a:bodyPr wrap="none" rtlCol="0">
-                    <a:spAutoFit/>
-                  </a:bodyPr>
-                  <a:lstStyle/>
-                  <a:p>
-                    <a:pPr/>
-                    <a14:m>
-                      <m:oMathPara xmlns:m="http://schemas.openxmlformats.org/officeDocument/2006/math">
-                        <m:oMathParaPr>
-                          <m:jc m:val="centerGroup"/>
-                        </m:oMathParaPr>
-                        <m:oMath xmlns:m="http://schemas.openxmlformats.org/officeDocument/2006/math">
-                          <m:r>
-                            <a:rPr lang="en-US" altLang="zh-CN" i="1" dirty="0" smtClean="0">
-                              <a:latin typeface="Cambria Math" panose="02040503050406030204" pitchFamily="18" charset="0"/>
-                            </a:rPr>
-                            <m:t>𝑦</m:t>
-                          </m:r>
-                        </m:oMath>
-                      </m:oMathPara>
-                    </a14:m>
-                    <a:endParaRPr lang="zh-CN" altLang="en-US" dirty="0"/>
-                  </a:p>
-                </p:txBody>
-              </p:sp>
-            </mc:Choice>
-            <mc:Fallback xmlns="">
-              <p:sp>
-                <p:nvSpPr>
-                  <p:cNvPr id="28" name="TextBox 27"/>
-                  <p:cNvSpPr txBox="1">
-                    <a:spLocks noRot="1" noChangeAspect="1" noMove="1" noResize="1" noEditPoints="1" noAdjustHandles="1" noChangeArrowheads="1" noChangeShapeType="1" noTextEdit="1"/>
-                  </p:cNvSpPr>
-                  <p:nvPr/>
-                </p:nvSpPr>
-                <p:spPr>
-                  <a:xfrm>
-                    <a:off x="1129197" y="5328063"/>
-                    <a:ext cx="371384" cy="369332"/>
-                  </a:xfrm>
-                  <a:prstGeom prst="rect">
-                    <a:avLst/>
-                  </a:prstGeom>
-                  <a:blipFill>
-                    <a:blip r:embed="rId4"/>
-                    <a:stretch>
-                      <a:fillRect b="-6557"/>
-                    </a:stretch>
-                  </a:blipFill>
-                </p:spPr>
-                <p:txBody>
-                  <a:bodyPr/>
-                  <a:lstStyle/>
-                  <a:p>
-                    <a:r>
-                      <a:rPr lang="zh-CN" altLang="en-US">
-                        <a:noFill/>
-                      </a:rPr>
-                      <a:t> </a:t>
-                    </a:r>
-                  </a:p>
-                </p:txBody>
-              </p:sp>
-            </mc:Fallback>
-          </mc:AlternateContent>
-          <mc:AlternateContent xmlns:mc="http://schemas.openxmlformats.org/markup-compatibility/2006" xmlns:a14="http://schemas.microsoft.com/office/drawing/2010/main">
-            <mc:Choice Requires="a14">
-              <p:sp>
-                <p:nvSpPr>
-                  <p:cNvPr id="2" name="文本框 1">
-                    <a:extLst>
-                      <a:ext uri="{FF2B5EF4-FFF2-40B4-BE49-F238E27FC236}">
-                        <a16:creationId xmlns:a16="http://schemas.microsoft.com/office/drawing/2014/main" id="{3DB76D6B-5A1E-4D96-A7AD-A9EF9B22C147}"/>
-                      </a:ext>
-                    </a:extLst>
-                  </p:cNvPr>
-                  <p:cNvSpPr txBox="1"/>
-                  <p:nvPr/>
-                </p:nvSpPr>
-                <p:spPr>
-                  <a:xfrm>
-                    <a:off x="1779415" y="4896238"/>
-                    <a:ext cx="824265" cy="369332"/>
-                  </a:xfrm>
-                  <a:prstGeom prst="rect">
-                    <a:avLst/>
-                  </a:prstGeom>
-                  <a:noFill/>
-                </p:spPr>
-                <p:txBody>
-                  <a:bodyPr wrap="none" rtlCol="0">
-                    <a:spAutoFit/>
-                  </a:bodyPr>
-                  <a:lstStyle/>
-                  <a:p>
-                    <a:pPr/>
-                    <a14:m>
-                      <m:oMathPara xmlns:m="http://schemas.openxmlformats.org/officeDocument/2006/math">
-                        <m:oMathParaPr>
-                          <m:jc m:val="centerGroup"/>
-                        </m:oMathParaPr>
-                        <m:oMath xmlns:m="http://schemas.openxmlformats.org/officeDocument/2006/math">
-                          <m:r>
-                            <a:rPr lang="en-US" altLang="zh-CN" b="0" i="1" smtClean="0">
-                              <a:latin typeface="Cambria Math" panose="02040503050406030204" pitchFamily="18" charset="0"/>
-                            </a:rPr>
-                            <m:t>(0 , 0)</m:t>
-                          </m:r>
-                        </m:oMath>
-                      </m:oMathPara>
-                    </a14:m>
-                    <a:endParaRPr lang="zh-CN" altLang="en-US" dirty="0"/>
-                  </a:p>
-                </p:txBody>
-              </p:sp>
-            </mc:Choice>
-            <mc:Fallback xmlns="">
-              <p:sp>
-                <p:nvSpPr>
-                  <p:cNvPr id="2" name="文本框 1">
-                    <a:extLst>
-                      <a:ext uri="{FF2B5EF4-FFF2-40B4-BE49-F238E27FC236}">
-                        <a16:creationId xmlns:a16="http://schemas.microsoft.com/office/drawing/2014/main" id="{3DB76D6B-5A1E-4D96-A7AD-A9EF9B22C147}"/>
-                      </a:ext>
-                    </a:extLst>
-                  </p:cNvPr>
-                  <p:cNvSpPr txBox="1">
-                    <a:spLocks noRot="1" noChangeAspect="1" noMove="1" noResize="1" noEditPoints="1" noAdjustHandles="1" noChangeArrowheads="1" noChangeShapeType="1" noTextEdit="1"/>
-                  </p:cNvSpPr>
-                  <p:nvPr/>
-                </p:nvSpPr>
-                <p:spPr>
-                  <a:xfrm>
-                    <a:off x="1779415" y="4896238"/>
-                    <a:ext cx="824265" cy="369332"/>
-                  </a:xfrm>
-                  <a:prstGeom prst="rect">
-                    <a:avLst/>
-                  </a:prstGeom>
-                  <a:blipFill>
-                    <a:blip r:embed="rId5"/>
-                    <a:stretch>
-                      <a:fillRect b="-13115"/>
-                    </a:stretch>
-                  </a:blipFill>
-                </p:spPr>
-                <p:txBody>
-                  <a:bodyPr/>
-                  <a:lstStyle/>
-                  <a:p>
-                    <a:r>
-                      <a:rPr lang="zh-CN" altLang="en-US">
-                        <a:noFill/>
-                      </a:rPr>
-                      <a:t> </a:t>
-                    </a:r>
-                  </a:p>
-                </p:txBody>
-              </p:sp>
-            </mc:Fallback>
-          </mc:AlternateContent>
-          <mc:AlternateContent xmlns:mc="http://schemas.openxmlformats.org/markup-compatibility/2006" xmlns:a14="http://schemas.microsoft.com/office/drawing/2010/main">
-            <mc:Choice Requires="a14">
-              <p:sp>
-                <p:nvSpPr>
-                  <p:cNvPr id="17" name="文本框 16">
-                    <a:extLst>
-                      <a:ext uri="{FF2B5EF4-FFF2-40B4-BE49-F238E27FC236}">
-                        <a16:creationId xmlns:a16="http://schemas.microsoft.com/office/drawing/2014/main" id="{B20678F1-6709-4718-AB74-77FE949AD8AF}"/>
-                      </a:ext>
-                    </a:extLst>
-                  </p:cNvPr>
-                  <p:cNvSpPr txBox="1"/>
-                  <p:nvPr/>
-                </p:nvSpPr>
-                <p:spPr>
-                  <a:xfrm>
-                    <a:off x="1714480" y="1252536"/>
-                    <a:ext cx="1080745" cy="369332"/>
-                  </a:xfrm>
-                  <a:prstGeom prst="rect">
-                    <a:avLst/>
-                  </a:prstGeom>
-                  <a:noFill/>
-                </p:spPr>
-                <p:txBody>
-                  <a:bodyPr wrap="none" rtlCol="0">
-                    <a:spAutoFit/>
-                  </a:bodyPr>
-                  <a:lstStyle/>
-                  <a:p>
-                    <a:pPr/>
-                    <a14:m>
-                      <m:oMathPara xmlns:m="http://schemas.openxmlformats.org/officeDocument/2006/math">
-                        <m:oMathParaPr>
-                          <m:jc m:val="centerGroup"/>
-                        </m:oMathParaPr>
-                        <m:oMath xmlns:m="http://schemas.openxmlformats.org/officeDocument/2006/math">
-                          <m:r>
-                            <a:rPr lang="en-US" altLang="zh-CN" b="0" i="1" smtClean="0">
-                              <a:latin typeface="Cambria Math" panose="02040503050406030204" pitchFamily="18" charset="0"/>
-                            </a:rPr>
-                            <m:t>(0 , 100)</m:t>
-                          </m:r>
-                        </m:oMath>
-                      </m:oMathPara>
-                    </a14:m>
-                    <a:endParaRPr lang="zh-CN" altLang="en-US" dirty="0"/>
-                  </a:p>
-                </p:txBody>
-              </p:sp>
-            </mc:Choice>
-            <mc:Fallback xmlns="">
-              <p:sp>
-                <p:nvSpPr>
-                  <p:cNvPr id="17" name="文本框 16">
-                    <a:extLst>
-                      <a:ext uri="{FF2B5EF4-FFF2-40B4-BE49-F238E27FC236}">
-                        <a16:creationId xmlns:a16="http://schemas.microsoft.com/office/drawing/2014/main" id="{B20678F1-6709-4718-AB74-77FE949AD8AF}"/>
-                      </a:ext>
-                    </a:extLst>
-                  </p:cNvPr>
-                  <p:cNvSpPr txBox="1">
-                    <a:spLocks noRot="1" noChangeAspect="1" noMove="1" noResize="1" noEditPoints="1" noAdjustHandles="1" noChangeArrowheads="1" noChangeShapeType="1" noTextEdit="1"/>
-                  </p:cNvSpPr>
-                  <p:nvPr/>
-                </p:nvSpPr>
-                <p:spPr>
-                  <a:xfrm>
-                    <a:off x="1714480" y="1252536"/>
-                    <a:ext cx="1080745" cy="369332"/>
-                  </a:xfrm>
-                  <a:prstGeom prst="rect">
-                    <a:avLst/>
-                  </a:prstGeom>
-                  <a:blipFill>
-                    <a:blip r:embed="rId6"/>
-                    <a:stretch>
-                      <a:fillRect b="-13115"/>
-                    </a:stretch>
-                  </a:blipFill>
-                </p:spPr>
-                <p:txBody>
-                  <a:bodyPr/>
-                  <a:lstStyle/>
-                  <a:p>
-                    <a:r>
-                      <a:rPr lang="zh-CN" altLang="en-US">
-                        <a:noFill/>
-                      </a:rPr>
-                      <a:t> </a:t>
-                    </a:r>
-                  </a:p>
-                </p:txBody>
-              </p:sp>
-            </mc:Fallback>
-          </mc:AlternateContent>
-          <mc:AlternateContent xmlns:mc="http://schemas.openxmlformats.org/markup-compatibility/2006" xmlns:a14="http://schemas.microsoft.com/office/drawing/2010/main">
-            <mc:Choice Requires="a14">
-              <p:sp>
-                <p:nvSpPr>
-                  <p:cNvPr id="19" name="文本框 18">
-                    <a:extLst>
-                      <a:ext uri="{FF2B5EF4-FFF2-40B4-BE49-F238E27FC236}">
-                        <a16:creationId xmlns:a16="http://schemas.microsoft.com/office/drawing/2014/main" id="{65F08D49-55AA-4718-8AD9-E41291BDAA64}"/>
-                      </a:ext>
-                    </a:extLst>
-                  </p:cNvPr>
-                  <p:cNvSpPr txBox="1"/>
-                  <p:nvPr/>
-                </p:nvSpPr>
-                <p:spPr>
-                  <a:xfrm>
-                    <a:off x="5646440" y="1232210"/>
-                    <a:ext cx="1337226" cy="369332"/>
-                  </a:xfrm>
-                  <a:prstGeom prst="rect">
-                    <a:avLst/>
-                  </a:prstGeom>
-                  <a:noFill/>
-                </p:spPr>
-                <p:txBody>
-                  <a:bodyPr wrap="none" rtlCol="0">
-                    <a:spAutoFit/>
-                  </a:bodyPr>
-                  <a:lstStyle/>
-                  <a:p>
-                    <a:pPr/>
-                    <a14:m>
-                      <m:oMathPara xmlns:m="http://schemas.openxmlformats.org/officeDocument/2006/math">
-                        <m:oMathParaPr>
-                          <m:jc m:val="centerGroup"/>
-                        </m:oMathParaPr>
-                        <m:oMath xmlns:m="http://schemas.openxmlformats.org/officeDocument/2006/math">
-                          <m:r>
-                            <a:rPr lang="en-US" altLang="zh-CN" b="0" i="1" smtClean="0">
-                              <a:latin typeface="Cambria Math" panose="02040503050406030204" pitchFamily="18" charset="0"/>
-                            </a:rPr>
-                            <m:t>(100 , 100)</m:t>
-                          </m:r>
-                        </m:oMath>
-                      </m:oMathPara>
-                    </a14:m>
-                    <a:endParaRPr lang="zh-CN" altLang="en-US" dirty="0"/>
-                  </a:p>
-                </p:txBody>
-              </p:sp>
-            </mc:Choice>
-            <mc:Fallback xmlns="">
-              <p:sp>
-                <p:nvSpPr>
-                  <p:cNvPr id="19" name="文本框 18">
-                    <a:extLst>
-                      <a:ext uri="{FF2B5EF4-FFF2-40B4-BE49-F238E27FC236}">
-                        <a16:creationId xmlns:a16="http://schemas.microsoft.com/office/drawing/2014/main" id="{65F08D49-55AA-4718-8AD9-E41291BDAA64}"/>
-                      </a:ext>
-                    </a:extLst>
-                  </p:cNvPr>
-                  <p:cNvSpPr txBox="1">
-                    <a:spLocks noRot="1" noChangeAspect="1" noMove="1" noResize="1" noEditPoints="1" noAdjustHandles="1" noChangeArrowheads="1" noChangeShapeType="1" noTextEdit="1"/>
-                  </p:cNvSpPr>
-                  <p:nvPr/>
-                </p:nvSpPr>
-                <p:spPr>
-                  <a:xfrm>
-                    <a:off x="5646440" y="1232210"/>
-                    <a:ext cx="1337226" cy="369332"/>
-                  </a:xfrm>
-                  <a:prstGeom prst="rect">
-                    <a:avLst/>
-                  </a:prstGeom>
-                  <a:blipFill>
-                    <a:blip r:embed="rId7"/>
-                    <a:stretch>
-                      <a:fillRect b="-13115"/>
-                    </a:stretch>
-                  </a:blipFill>
-                </p:spPr>
-                <p:txBody>
-                  <a:bodyPr/>
-                  <a:lstStyle/>
-                  <a:p>
-                    <a:r>
-                      <a:rPr lang="zh-CN" altLang="en-US">
-                        <a:noFill/>
-                      </a:rPr>
-                      <a:t> </a:t>
-                    </a:r>
-                  </a:p>
-                </p:txBody>
-              </p:sp>
-            </mc:Fallback>
-          </mc:AlternateContent>
-          <mc:AlternateContent xmlns:mc="http://schemas.openxmlformats.org/markup-compatibility/2006" xmlns:a14="http://schemas.microsoft.com/office/drawing/2010/main">
-            <mc:Choice Requires="a14">
-              <p:sp>
-                <p:nvSpPr>
-                  <p:cNvPr id="20" name="文本框 19">
-                    <a:extLst>
-                      <a:ext uri="{FF2B5EF4-FFF2-40B4-BE49-F238E27FC236}">
-                        <a16:creationId xmlns:a16="http://schemas.microsoft.com/office/drawing/2014/main" id="{AE602945-054A-4CDC-86E0-88B0AF66736E}"/>
-                      </a:ext>
-                    </a:extLst>
-                  </p:cNvPr>
-                  <p:cNvSpPr txBox="1"/>
-                  <p:nvPr/>
-                </p:nvSpPr>
-                <p:spPr>
-                  <a:xfrm>
-                    <a:off x="5907735" y="4958731"/>
-                    <a:ext cx="1080745" cy="369332"/>
-                  </a:xfrm>
-                  <a:prstGeom prst="rect">
-                    <a:avLst/>
-                  </a:prstGeom>
-                  <a:noFill/>
-                </p:spPr>
-                <p:txBody>
-                  <a:bodyPr wrap="none" rtlCol="0">
-                    <a:spAutoFit/>
-                  </a:bodyPr>
-                  <a:lstStyle/>
-                  <a:p>
-                    <a:pPr/>
-                    <a14:m>
-                      <m:oMathPara xmlns:m="http://schemas.openxmlformats.org/officeDocument/2006/math">
-                        <m:oMathParaPr>
-                          <m:jc m:val="centerGroup"/>
-                        </m:oMathParaPr>
-                        <m:oMath xmlns:m="http://schemas.openxmlformats.org/officeDocument/2006/math">
-                          <m:r>
-                            <a:rPr lang="en-US" altLang="zh-CN" b="0" i="1" smtClean="0">
-                              <a:latin typeface="Cambria Math" panose="02040503050406030204" pitchFamily="18" charset="0"/>
-                            </a:rPr>
-                            <m:t>(100 , 0)</m:t>
-                          </m:r>
-                        </m:oMath>
-                      </m:oMathPara>
-                    </a14:m>
-                    <a:endParaRPr lang="zh-CN" altLang="en-US" dirty="0"/>
-                  </a:p>
-                </p:txBody>
-              </p:sp>
-            </mc:Choice>
-            <mc:Fallback xmlns="">
-              <p:sp>
-                <p:nvSpPr>
-                  <p:cNvPr id="20" name="文本框 19">
-                    <a:extLst>
-                      <a:ext uri="{FF2B5EF4-FFF2-40B4-BE49-F238E27FC236}">
-                        <a16:creationId xmlns:a16="http://schemas.microsoft.com/office/drawing/2014/main" id="{AE602945-054A-4CDC-86E0-88B0AF66736E}"/>
-                      </a:ext>
-                    </a:extLst>
-                  </p:cNvPr>
-                  <p:cNvSpPr txBox="1">
-                    <a:spLocks noRot="1" noChangeAspect="1" noMove="1" noResize="1" noEditPoints="1" noAdjustHandles="1" noChangeArrowheads="1" noChangeShapeType="1" noTextEdit="1"/>
-                  </p:cNvSpPr>
-                  <p:nvPr/>
-                </p:nvSpPr>
-                <p:spPr>
-                  <a:xfrm>
-                    <a:off x="5907735" y="4958731"/>
-                    <a:ext cx="1080745" cy="369332"/>
-                  </a:xfrm>
-                  <a:prstGeom prst="rect">
-                    <a:avLst/>
-                  </a:prstGeom>
-                  <a:blipFill>
-                    <a:blip r:embed="rId8"/>
-                    <a:stretch>
-                      <a:fillRect b="-13115"/>
-                    </a:stretch>
-                  </a:blipFill>
-                </p:spPr>
-                <p:txBody>
-                  <a:bodyPr/>
-                  <a:lstStyle/>
-                  <a:p>
-                    <a:r>
-                      <a:rPr lang="zh-CN" altLang="en-US">
-                        <a:noFill/>
-                      </a:rPr>
-                      <a:t> </a:t>
-                    </a:r>
-                  </a:p>
-                </p:txBody>
-              </p:sp>
-            </mc:Fallback>
-          </mc:AlternateContent>
-        </p:grpSp>
-        <mc:AlternateContent xmlns:mc="http://schemas.openxmlformats.org/markup-compatibility/2006" xmlns:a14="http://schemas.microsoft.com/office/drawing/2010/main">
-          <mc:Choice Requires="a14">
+              </a:solidFill>
+              <a:tailEnd type="arrow"/>
+            </a:ln>
+          </p:spPr>
+          <p:style>
+            <a:lnRef idx="1">
+              <a:schemeClr val="accent1"/>
+            </a:lnRef>
+            <a:fillRef idx="0">
+              <a:schemeClr val="accent1"/>
+            </a:fillRef>
+            <a:effectRef idx="0">
+              <a:schemeClr val="accent1"/>
+            </a:effectRef>
+            <a:fontRef idx="minor">
+              <a:schemeClr val="tx1"/>
+            </a:fontRef>
+          </p:style>
+        </p:cxnSp>
+        <mc:AlternateContent xmlns:mc="http://schemas.openxmlformats.org/markup-compatibility/2006">
+          <mc:Choice xmlns:a14="http://schemas.microsoft.com/office/drawing/2010/main" Requires="a14">
+            <p:sp>
+              <p:nvSpPr>
+                <p:cNvPr id="27" name="TextBox 26"/>
+                <p:cNvSpPr txBox="1"/>
+                <p:nvPr/>
+              </p:nvSpPr>
+              <p:spPr>
+                <a:xfrm>
+                  <a:off x="1671989" y="5715413"/>
+                  <a:ext cx="367986" cy="369332"/>
+                </a:xfrm>
+                <a:prstGeom prst="rect">
+                  <a:avLst/>
+                </a:prstGeom>
+                <a:noFill/>
+              </p:spPr>
+              <p:txBody>
+                <a:bodyPr wrap="none" rtlCol="0">
+                  <a:spAutoFit/>
+                </a:bodyPr>
+                <a:lstStyle/>
+                <a:p>
+                  <a:pPr/>
+                  <a14:m>
+                    <m:oMathPara xmlns:m="http://schemas.openxmlformats.org/officeDocument/2006/math">
+                      <m:oMathParaPr>
+                        <m:jc m:val="centerGroup"/>
+                      </m:oMathParaPr>
+                      <m:oMath xmlns:m="http://schemas.openxmlformats.org/officeDocument/2006/math">
+                        <m:r>
+                          <a:rPr lang="en-US" altLang="zh-CN" i="1" dirty="0" smtClean="0">
+                            <a:latin typeface="Cambria Math" panose="02040503050406030204" pitchFamily="18" charset="0"/>
+                          </a:rPr>
+                          <m:t>𝑥</m:t>
+                        </m:r>
+                      </m:oMath>
+                    </m:oMathPara>
+                  </a14:m>
+                  <a:endParaRPr lang="zh-CN" altLang="en-US" dirty="0"/>
+                </a:p>
+              </p:txBody>
+            </p:sp>
+          </mc:Choice>
+          <mc:Fallback>
+            <p:sp>
+              <p:nvSpPr>
+                <p:cNvPr id="27" name="TextBox 26"/>
+                <p:cNvSpPr txBox="1">
+                  <a:spLocks noRot="1" noChangeAspect="1" noMove="1" noResize="1" noEditPoints="1" noAdjustHandles="1" noChangeArrowheads="1" noChangeShapeType="1" noTextEdit="1"/>
+                </p:cNvSpPr>
+                <p:nvPr/>
+              </p:nvSpPr>
+              <p:spPr>
+                <a:xfrm>
+                  <a:off x="1671989" y="5715413"/>
+                  <a:ext cx="367986" cy="369332"/>
+                </a:xfrm>
+                <a:prstGeom prst="rect">
+                  <a:avLst/>
+                </a:prstGeom>
+                <a:blipFill>
+                  <a:blip r:embed="rId3"/>
+                  <a:stretch>
+                    <a:fillRect/>
+                  </a:stretch>
+                </a:blipFill>
+              </p:spPr>
+              <p:txBody>
+                <a:bodyPr/>
+                <a:lstStyle/>
+                <a:p>
+                  <a:r>
+                    <a:rPr lang="zh-CN" altLang="en-US">
+                      <a:noFill/>
+                    </a:rPr>
+                    <a:t> </a:t>
+                  </a:r>
+                </a:p>
+              </p:txBody>
+            </p:sp>
+          </mc:Fallback>
+        </mc:AlternateContent>
+        <mc:AlternateContent xmlns:mc="http://schemas.openxmlformats.org/markup-compatibility/2006">
+          <mc:Choice xmlns:a14="http://schemas.microsoft.com/office/drawing/2010/main" Requires="a14">
+            <p:sp>
+              <p:nvSpPr>
+                <p:cNvPr id="28" name="TextBox 27"/>
+                <p:cNvSpPr txBox="1"/>
+                <p:nvPr/>
+              </p:nvSpPr>
+              <p:spPr>
+                <a:xfrm>
+                  <a:off x="1129197" y="5328063"/>
+                  <a:ext cx="371384" cy="369332"/>
+                </a:xfrm>
+                <a:prstGeom prst="rect">
+                  <a:avLst/>
+                </a:prstGeom>
+                <a:noFill/>
+              </p:spPr>
+              <p:txBody>
+                <a:bodyPr wrap="none" rtlCol="0">
+                  <a:spAutoFit/>
+                </a:bodyPr>
+                <a:lstStyle/>
+                <a:p>
+                  <a:pPr/>
+                  <a14:m>
+                    <m:oMathPara xmlns:m="http://schemas.openxmlformats.org/officeDocument/2006/math">
+                      <m:oMathParaPr>
+                        <m:jc m:val="centerGroup"/>
+                      </m:oMathParaPr>
+                      <m:oMath xmlns:m="http://schemas.openxmlformats.org/officeDocument/2006/math">
+                        <m:r>
+                          <a:rPr lang="en-US" altLang="zh-CN" i="1" dirty="0" smtClean="0">
+                            <a:latin typeface="Cambria Math" panose="02040503050406030204" pitchFamily="18" charset="0"/>
+                          </a:rPr>
+                          <m:t>𝑦</m:t>
+                        </m:r>
+                      </m:oMath>
+                    </m:oMathPara>
+                  </a14:m>
+                  <a:endParaRPr lang="zh-CN" altLang="en-US" dirty="0"/>
+                </a:p>
+              </p:txBody>
+            </p:sp>
+          </mc:Choice>
+          <mc:Fallback>
+            <p:sp>
+              <p:nvSpPr>
+                <p:cNvPr id="28" name="TextBox 27"/>
+                <p:cNvSpPr txBox="1">
+                  <a:spLocks noRot="1" noChangeAspect="1" noMove="1" noResize="1" noEditPoints="1" noAdjustHandles="1" noChangeArrowheads="1" noChangeShapeType="1" noTextEdit="1"/>
+                </p:cNvSpPr>
+                <p:nvPr/>
+              </p:nvSpPr>
+              <p:spPr>
+                <a:xfrm>
+                  <a:off x="1129197" y="5328063"/>
+                  <a:ext cx="371384" cy="369332"/>
+                </a:xfrm>
+                <a:prstGeom prst="rect">
+                  <a:avLst/>
+                </a:prstGeom>
+                <a:blipFill>
+                  <a:blip r:embed="rId4"/>
+                  <a:stretch>
+                    <a:fillRect b="-6557"/>
+                  </a:stretch>
+                </a:blipFill>
+              </p:spPr>
+              <p:txBody>
+                <a:bodyPr/>
+                <a:lstStyle/>
+                <a:p>
+                  <a:r>
+                    <a:rPr lang="zh-CN" altLang="en-US">
+                      <a:noFill/>
+                    </a:rPr>
+                    <a:t> </a:t>
+                  </a:r>
+                </a:p>
+              </p:txBody>
+            </p:sp>
+          </mc:Fallback>
+        </mc:AlternateContent>
+        <mc:AlternateContent xmlns:mc="http://schemas.openxmlformats.org/markup-compatibility/2006">
+          <mc:Choice xmlns:a14="http://schemas.microsoft.com/office/drawing/2010/main" Requires="a14">
+            <p:sp>
+              <p:nvSpPr>
+                <p:cNvPr id="2" name="文本框 1">
+                  <a:extLst>
+                    <a:ext uri="{FF2B5EF4-FFF2-40B4-BE49-F238E27FC236}">
+                      <a16:creationId xmlns:a16="http://schemas.microsoft.com/office/drawing/2014/main" id="{3DB76D6B-5A1E-4D96-A7AD-A9EF9B22C147}"/>
+                    </a:ext>
+                  </a:extLst>
+                </p:cNvPr>
+                <p:cNvSpPr txBox="1"/>
+                <p:nvPr/>
+              </p:nvSpPr>
+              <p:spPr>
+                <a:xfrm>
+                  <a:off x="1779415" y="4896238"/>
+                  <a:ext cx="824265" cy="369332"/>
+                </a:xfrm>
+                <a:prstGeom prst="rect">
+                  <a:avLst/>
+                </a:prstGeom>
+                <a:noFill/>
+              </p:spPr>
+              <p:txBody>
+                <a:bodyPr wrap="none" rtlCol="0">
+                  <a:spAutoFit/>
+                </a:bodyPr>
+                <a:lstStyle/>
+                <a:p>
+                  <a:pPr/>
+                  <a14:m>
+                    <m:oMathPara xmlns:m="http://schemas.openxmlformats.org/officeDocument/2006/math">
+                      <m:oMathParaPr>
+                        <m:jc m:val="centerGroup"/>
+                      </m:oMathParaPr>
+                      <m:oMath xmlns:m="http://schemas.openxmlformats.org/officeDocument/2006/math">
+                        <m:r>
+                          <a:rPr lang="en-US" altLang="zh-CN" b="0" i="1" smtClean="0">
+                            <a:latin typeface="Cambria Math" panose="02040503050406030204" pitchFamily="18" charset="0"/>
+                          </a:rPr>
+                          <m:t>(0 , 0)</m:t>
+                        </m:r>
+                      </m:oMath>
+                    </m:oMathPara>
+                  </a14:m>
+                  <a:endParaRPr lang="zh-CN" altLang="en-US" dirty="0"/>
+                </a:p>
+              </p:txBody>
+            </p:sp>
+          </mc:Choice>
+          <mc:Fallback>
+            <p:sp>
+              <p:nvSpPr>
+                <p:cNvPr id="2" name="文本框 1">
+                  <a:extLst>
+                    <a:ext uri="{FF2B5EF4-FFF2-40B4-BE49-F238E27FC236}">
+                      <a16:creationId xmlns:a16="http://schemas.microsoft.com/office/drawing/2014/main" id="{3DB76D6B-5A1E-4D96-A7AD-A9EF9B22C147}"/>
+                    </a:ext>
+                  </a:extLst>
+                </p:cNvPr>
+                <p:cNvSpPr txBox="1">
+                  <a:spLocks noRot="1" noChangeAspect="1" noMove="1" noResize="1" noEditPoints="1" noAdjustHandles="1" noChangeArrowheads="1" noChangeShapeType="1" noTextEdit="1"/>
+                </p:cNvSpPr>
+                <p:nvPr/>
+              </p:nvSpPr>
+              <p:spPr>
+                <a:xfrm>
+                  <a:off x="1779415" y="4896238"/>
+                  <a:ext cx="824265" cy="369332"/>
+                </a:xfrm>
+                <a:prstGeom prst="rect">
+                  <a:avLst/>
+                </a:prstGeom>
+                <a:blipFill>
+                  <a:blip r:embed="rId5"/>
+                  <a:stretch>
+                    <a:fillRect b="-13115"/>
+                  </a:stretch>
+                </a:blipFill>
+              </p:spPr>
+              <p:txBody>
+                <a:bodyPr/>
+                <a:lstStyle/>
+                <a:p>
+                  <a:r>
+                    <a:rPr lang="zh-CN" altLang="en-US">
+                      <a:noFill/>
+                    </a:rPr>
+                    <a:t> </a:t>
+                  </a:r>
+                </a:p>
+              </p:txBody>
+            </p:sp>
+          </mc:Fallback>
+        </mc:AlternateContent>
+        <mc:AlternateContent xmlns:mc="http://schemas.openxmlformats.org/markup-compatibility/2006">
+          <mc:Choice xmlns:a14="http://schemas.microsoft.com/office/drawing/2010/main" Requires="a14">
+            <p:sp>
+              <p:nvSpPr>
+                <p:cNvPr id="17" name="文本框 16">
+                  <a:extLst>
+                    <a:ext uri="{FF2B5EF4-FFF2-40B4-BE49-F238E27FC236}">
+                      <a16:creationId xmlns:a16="http://schemas.microsoft.com/office/drawing/2014/main" id="{B20678F1-6709-4718-AB74-77FE949AD8AF}"/>
+                    </a:ext>
+                  </a:extLst>
+                </p:cNvPr>
+                <p:cNvSpPr txBox="1"/>
+                <p:nvPr/>
+              </p:nvSpPr>
+              <p:spPr>
+                <a:xfrm>
+                  <a:off x="1714480" y="1252536"/>
+                  <a:ext cx="1080745" cy="369332"/>
+                </a:xfrm>
+                <a:prstGeom prst="rect">
+                  <a:avLst/>
+                </a:prstGeom>
+                <a:noFill/>
+              </p:spPr>
+              <p:txBody>
+                <a:bodyPr wrap="none" rtlCol="0">
+                  <a:spAutoFit/>
+                </a:bodyPr>
+                <a:lstStyle/>
+                <a:p>
+                  <a:pPr/>
+                  <a14:m>
+                    <m:oMathPara xmlns:m="http://schemas.openxmlformats.org/officeDocument/2006/math">
+                      <m:oMathParaPr>
+                        <m:jc m:val="centerGroup"/>
+                      </m:oMathParaPr>
+                      <m:oMath xmlns:m="http://schemas.openxmlformats.org/officeDocument/2006/math">
+                        <m:r>
+                          <a:rPr lang="en-US" altLang="zh-CN" b="0" i="1" smtClean="0">
+                            <a:latin typeface="Cambria Math" panose="02040503050406030204" pitchFamily="18" charset="0"/>
+                          </a:rPr>
+                          <m:t>(0 , 100)</m:t>
+                        </m:r>
+                      </m:oMath>
+                    </m:oMathPara>
+                  </a14:m>
+                  <a:endParaRPr lang="zh-CN" altLang="en-US" dirty="0"/>
+                </a:p>
+              </p:txBody>
+            </p:sp>
+          </mc:Choice>
+          <mc:Fallback>
+            <p:sp>
+              <p:nvSpPr>
+                <p:cNvPr id="17" name="文本框 16">
+                  <a:extLst>
+                    <a:ext uri="{FF2B5EF4-FFF2-40B4-BE49-F238E27FC236}">
+                      <a16:creationId xmlns:a16="http://schemas.microsoft.com/office/drawing/2014/main" id="{B20678F1-6709-4718-AB74-77FE949AD8AF}"/>
+                    </a:ext>
+                  </a:extLst>
+                </p:cNvPr>
+                <p:cNvSpPr txBox="1">
+                  <a:spLocks noRot="1" noChangeAspect="1" noMove="1" noResize="1" noEditPoints="1" noAdjustHandles="1" noChangeArrowheads="1" noChangeShapeType="1" noTextEdit="1"/>
+                </p:cNvSpPr>
+                <p:nvPr/>
+              </p:nvSpPr>
+              <p:spPr>
+                <a:xfrm>
+                  <a:off x="1714480" y="1252536"/>
+                  <a:ext cx="1080745" cy="369332"/>
+                </a:xfrm>
+                <a:prstGeom prst="rect">
+                  <a:avLst/>
+                </a:prstGeom>
+                <a:blipFill>
+                  <a:blip r:embed="rId6"/>
+                  <a:stretch>
+                    <a:fillRect b="-13115"/>
+                  </a:stretch>
+                </a:blipFill>
+              </p:spPr>
+              <p:txBody>
+                <a:bodyPr/>
+                <a:lstStyle/>
+                <a:p>
+                  <a:r>
+                    <a:rPr lang="zh-CN" altLang="en-US">
+                      <a:noFill/>
+                    </a:rPr>
+                    <a:t> </a:t>
+                  </a:r>
+                </a:p>
+              </p:txBody>
+            </p:sp>
+          </mc:Fallback>
+        </mc:AlternateContent>
+        <mc:AlternateContent xmlns:mc="http://schemas.openxmlformats.org/markup-compatibility/2006">
+          <mc:Choice xmlns:a14="http://schemas.microsoft.com/office/drawing/2010/main" Requires="a14">
+            <p:sp>
+              <p:nvSpPr>
+                <p:cNvPr id="19" name="文本框 18">
+                  <a:extLst>
+                    <a:ext uri="{FF2B5EF4-FFF2-40B4-BE49-F238E27FC236}">
+                      <a16:creationId xmlns:a16="http://schemas.microsoft.com/office/drawing/2014/main" id="{65F08D49-55AA-4718-8AD9-E41291BDAA64}"/>
+                    </a:ext>
+                  </a:extLst>
+                </p:cNvPr>
+                <p:cNvSpPr txBox="1"/>
+                <p:nvPr/>
+              </p:nvSpPr>
+              <p:spPr>
+                <a:xfrm>
+                  <a:off x="5646440" y="1232210"/>
+                  <a:ext cx="1337226" cy="369332"/>
+                </a:xfrm>
+                <a:prstGeom prst="rect">
+                  <a:avLst/>
+                </a:prstGeom>
+                <a:noFill/>
+              </p:spPr>
+              <p:txBody>
+                <a:bodyPr wrap="none" rtlCol="0">
+                  <a:spAutoFit/>
+                </a:bodyPr>
+                <a:lstStyle/>
+                <a:p>
+                  <a:pPr/>
+                  <a14:m>
+                    <m:oMathPara xmlns:m="http://schemas.openxmlformats.org/officeDocument/2006/math">
+                      <m:oMathParaPr>
+                        <m:jc m:val="centerGroup"/>
+                      </m:oMathParaPr>
+                      <m:oMath xmlns:m="http://schemas.openxmlformats.org/officeDocument/2006/math">
+                        <m:r>
+                          <a:rPr lang="en-US" altLang="zh-CN" b="0" i="1" smtClean="0">
+                            <a:latin typeface="Cambria Math" panose="02040503050406030204" pitchFamily="18" charset="0"/>
+                          </a:rPr>
+                          <m:t>(100 , 100)</m:t>
+                        </m:r>
+                      </m:oMath>
+                    </m:oMathPara>
+                  </a14:m>
+                  <a:endParaRPr lang="zh-CN" altLang="en-US" dirty="0"/>
+                </a:p>
+              </p:txBody>
+            </p:sp>
+          </mc:Choice>
+          <mc:Fallback>
+            <p:sp>
+              <p:nvSpPr>
+                <p:cNvPr id="19" name="文本框 18">
+                  <a:extLst>
+                    <a:ext uri="{FF2B5EF4-FFF2-40B4-BE49-F238E27FC236}">
+                      <a16:creationId xmlns:a16="http://schemas.microsoft.com/office/drawing/2014/main" id="{65F08D49-55AA-4718-8AD9-E41291BDAA64}"/>
+                    </a:ext>
+                  </a:extLst>
+                </p:cNvPr>
+                <p:cNvSpPr txBox="1">
+                  <a:spLocks noRot="1" noChangeAspect="1" noMove="1" noResize="1" noEditPoints="1" noAdjustHandles="1" noChangeArrowheads="1" noChangeShapeType="1" noTextEdit="1"/>
+                </p:cNvSpPr>
+                <p:nvPr/>
+              </p:nvSpPr>
+              <p:spPr>
+                <a:xfrm>
+                  <a:off x="5646440" y="1232210"/>
+                  <a:ext cx="1337226" cy="369332"/>
+                </a:xfrm>
+                <a:prstGeom prst="rect">
+                  <a:avLst/>
+                </a:prstGeom>
+                <a:blipFill>
+                  <a:blip r:embed="rId7"/>
+                  <a:stretch>
+                    <a:fillRect b="-13115"/>
+                  </a:stretch>
+                </a:blipFill>
+              </p:spPr>
+              <p:txBody>
+                <a:bodyPr/>
+                <a:lstStyle/>
+                <a:p>
+                  <a:r>
+                    <a:rPr lang="zh-CN" altLang="en-US">
+                      <a:noFill/>
+                    </a:rPr>
+                    <a:t> </a:t>
+                  </a:r>
+                </a:p>
+              </p:txBody>
+            </p:sp>
+          </mc:Fallback>
+        </mc:AlternateContent>
+        <mc:AlternateContent xmlns:mc="http://schemas.openxmlformats.org/markup-compatibility/2006">
+          <mc:Choice xmlns:a14="http://schemas.microsoft.com/office/drawing/2010/main" Requires="a14">
+            <p:sp>
+              <p:nvSpPr>
+                <p:cNvPr id="20" name="文本框 19">
+                  <a:extLst>
+                    <a:ext uri="{FF2B5EF4-FFF2-40B4-BE49-F238E27FC236}">
+                      <a16:creationId xmlns:a16="http://schemas.microsoft.com/office/drawing/2014/main" id="{AE602945-054A-4CDC-86E0-88B0AF66736E}"/>
+                    </a:ext>
+                  </a:extLst>
+                </p:cNvPr>
+                <p:cNvSpPr txBox="1"/>
+                <p:nvPr/>
+              </p:nvSpPr>
+              <p:spPr>
+                <a:xfrm>
+                  <a:off x="5907735" y="4958731"/>
+                  <a:ext cx="1080745" cy="369332"/>
+                </a:xfrm>
+                <a:prstGeom prst="rect">
+                  <a:avLst/>
+                </a:prstGeom>
+                <a:noFill/>
+              </p:spPr>
+              <p:txBody>
+                <a:bodyPr wrap="none" rtlCol="0">
+                  <a:spAutoFit/>
+                </a:bodyPr>
+                <a:lstStyle/>
+                <a:p>
+                  <a:pPr/>
+                  <a14:m>
+                    <m:oMathPara xmlns:m="http://schemas.openxmlformats.org/officeDocument/2006/math">
+                      <m:oMathParaPr>
+                        <m:jc m:val="centerGroup"/>
+                      </m:oMathParaPr>
+                      <m:oMath xmlns:m="http://schemas.openxmlformats.org/officeDocument/2006/math">
+                        <m:r>
+                          <a:rPr lang="en-US" altLang="zh-CN" b="0" i="1" smtClean="0">
+                            <a:latin typeface="Cambria Math" panose="02040503050406030204" pitchFamily="18" charset="0"/>
+                          </a:rPr>
+                          <m:t>(100 , 0)</m:t>
+                        </m:r>
+                      </m:oMath>
+                    </m:oMathPara>
+                  </a14:m>
+                  <a:endParaRPr lang="zh-CN" altLang="en-US" dirty="0"/>
+                </a:p>
+              </p:txBody>
+            </p:sp>
+          </mc:Choice>
+          <mc:Fallback>
+            <p:sp>
+              <p:nvSpPr>
+                <p:cNvPr id="20" name="文本框 19">
+                  <a:extLst>
+                    <a:ext uri="{FF2B5EF4-FFF2-40B4-BE49-F238E27FC236}">
+                      <a16:creationId xmlns:a16="http://schemas.microsoft.com/office/drawing/2014/main" id="{AE602945-054A-4CDC-86E0-88B0AF66736E}"/>
+                    </a:ext>
+                  </a:extLst>
+                </p:cNvPr>
+                <p:cNvSpPr txBox="1">
+                  <a:spLocks noRot="1" noChangeAspect="1" noMove="1" noResize="1" noEditPoints="1" noAdjustHandles="1" noChangeArrowheads="1" noChangeShapeType="1" noTextEdit="1"/>
+                </p:cNvSpPr>
+                <p:nvPr/>
+              </p:nvSpPr>
+              <p:spPr>
+                <a:xfrm>
+                  <a:off x="5907735" y="4958731"/>
+                  <a:ext cx="1080745" cy="369332"/>
+                </a:xfrm>
+                <a:prstGeom prst="rect">
+                  <a:avLst/>
+                </a:prstGeom>
+                <a:blipFill>
+                  <a:blip r:embed="rId8"/>
+                  <a:stretch>
+                    <a:fillRect b="-13115"/>
+                  </a:stretch>
+                </a:blipFill>
+              </p:spPr>
+              <p:txBody>
+                <a:bodyPr/>
+                <a:lstStyle/>
+                <a:p>
+                  <a:r>
+                    <a:rPr lang="zh-CN" altLang="en-US">
+                      <a:noFill/>
+                    </a:rPr>
+                    <a:t> </a:t>
+                  </a:r>
+                </a:p>
+              </p:txBody>
+            </p:sp>
+          </mc:Fallback>
+        </mc:AlternateContent>
+        <mc:AlternateContent xmlns:mc="http://schemas.openxmlformats.org/markup-compatibility/2006">
+          <mc:Choice xmlns:a14="http://schemas.microsoft.com/office/drawing/2010/main" Requires="a14">
             <p:sp>
               <p:nvSpPr>
                 <p:cNvPr id="4" name="文本框 3">
@@ -32158,7 +32309,7 @@
               </p:txBody>
             </p:sp>
           </mc:Choice>
-          <mc:Fallback xmlns="">
+          <mc:Fallback>
             <p:sp>
               <p:nvSpPr>
                 <p:cNvPr id="4" name="文本框 3">
@@ -32243,7 +32394,7 @@
         </p:nvGrpSpPr>
         <p:grpSpPr>
           <a:xfrm>
-            <a:off x="1713600" y="1213200"/>
+            <a:off x="1553823" y="1216335"/>
             <a:ext cx="5852172" cy="4389129"/>
             <a:chOff x="1713600" y="1213200"/>
             <a:chExt cx="5852172" cy="4389129"/>
@@ -32725,6 +32876,762 @@
           </p:spPr>
         </p:pic>
       </p:grpSp>
+      <mc:AlternateContent xmlns:mc="http://schemas.openxmlformats.org/markup-compatibility/2006">
+        <mc:Choice xmlns:a14="http://schemas.microsoft.com/office/drawing/2010/main" Requires="a14">
+          <p:sp>
+            <p:nvSpPr>
+              <p:cNvPr id="17" name="文本框 16">
+                <a:extLst>
+                  <a:ext uri="{FF2B5EF4-FFF2-40B4-BE49-F238E27FC236}">
+                    <a16:creationId xmlns:a16="http://schemas.microsoft.com/office/drawing/2014/main" id="{20FEFBA1-9196-42B3-9A20-E593DF0718B6}"/>
+                  </a:ext>
+                </a:extLst>
+              </p:cNvPr>
+              <p:cNvSpPr txBox="1"/>
+              <p:nvPr/>
+            </p:nvSpPr>
+            <p:spPr>
+              <a:xfrm>
+                <a:off x="1779415" y="4896238"/>
+                <a:ext cx="824265" cy="369332"/>
+              </a:xfrm>
+              <a:prstGeom prst="rect">
+                <a:avLst/>
+              </a:prstGeom>
+              <a:noFill/>
+            </p:spPr>
+            <p:txBody>
+              <a:bodyPr wrap="none" rtlCol="0">
+                <a:spAutoFit/>
+              </a:bodyPr>
+              <a:lstStyle/>
+              <a:p>
+                <a:pPr/>
+                <a14:m>
+                  <m:oMathPara xmlns:m="http://schemas.openxmlformats.org/officeDocument/2006/math">
+                    <m:oMathParaPr>
+                      <m:jc m:val="centerGroup"/>
+                    </m:oMathParaPr>
+                    <m:oMath xmlns:m="http://schemas.openxmlformats.org/officeDocument/2006/math">
+                      <m:r>
+                        <a:rPr lang="en-US" altLang="zh-CN" b="0" i="1" smtClean="0">
+                          <a:latin typeface="Cambria Math" panose="02040503050406030204" pitchFamily="18" charset="0"/>
+                        </a:rPr>
+                        <m:t>(0 , 0)</m:t>
+                      </m:r>
+                    </m:oMath>
+                  </m:oMathPara>
+                </a14:m>
+                <a:endParaRPr lang="zh-CN" altLang="en-US" dirty="0"/>
+              </a:p>
+            </p:txBody>
+          </p:sp>
+        </mc:Choice>
+        <mc:Fallback>
+          <p:sp>
+            <p:nvSpPr>
+              <p:cNvPr id="17" name="文本框 16">
+                <a:extLst>
+                  <a:ext uri="{FF2B5EF4-FFF2-40B4-BE49-F238E27FC236}">
+                    <a16:creationId xmlns:a16="http://schemas.microsoft.com/office/drawing/2014/main" id="{20FEFBA1-9196-42B3-9A20-E593DF0718B6}"/>
+                  </a:ext>
+                </a:extLst>
+              </p:cNvPr>
+              <p:cNvSpPr txBox="1">
+                <a:spLocks noRot="1" noChangeAspect="1" noMove="1" noResize="1" noEditPoints="1" noAdjustHandles="1" noChangeArrowheads="1" noChangeShapeType="1" noTextEdit="1"/>
+              </p:cNvSpPr>
+              <p:nvPr/>
+            </p:nvSpPr>
+            <p:spPr>
+              <a:xfrm>
+                <a:off x="1779415" y="4896238"/>
+                <a:ext cx="824265" cy="369332"/>
+              </a:xfrm>
+              <a:prstGeom prst="rect">
+                <a:avLst/>
+              </a:prstGeom>
+              <a:blipFill>
+                <a:blip r:embed="rId4"/>
+                <a:stretch>
+                  <a:fillRect b="-13115"/>
+                </a:stretch>
+              </a:blipFill>
+            </p:spPr>
+            <p:txBody>
+              <a:bodyPr/>
+              <a:lstStyle/>
+              <a:p>
+                <a:r>
+                  <a:rPr lang="zh-CN" altLang="en-US">
+                    <a:noFill/>
+                  </a:rPr>
+                  <a:t> </a:t>
+                </a:r>
+              </a:p>
+            </p:txBody>
+          </p:sp>
+        </mc:Fallback>
+      </mc:AlternateContent>
+      <p:cxnSp>
+        <p:nvCxnSpPr>
+          <p:cNvPr id="18" name="直接箭头连接符 17">
+            <a:extLst>
+              <a:ext uri="{FF2B5EF4-FFF2-40B4-BE49-F238E27FC236}">
+                <a16:creationId xmlns:a16="http://schemas.microsoft.com/office/drawing/2014/main" id="{8A1799FD-9FAA-411E-BAE8-A5F0474C5039}"/>
+              </a:ext>
+            </a:extLst>
+          </p:cNvPr>
+          <p:cNvCxnSpPr/>
+          <p:nvPr/>
+        </p:nvCxnSpPr>
+        <p:spPr>
+          <a:xfrm rot="5400000" flipH="1" flipV="1">
+            <a:off x="857224" y="5715016"/>
+            <a:ext cx="572298" cy="794"/>
+          </a:xfrm>
+          <a:prstGeom prst="straightConnector1">
+            <a:avLst/>
+          </a:prstGeom>
+          <a:ln>
+            <a:solidFill>
+              <a:schemeClr val="tx1"/>
+            </a:solidFill>
+            <a:tailEnd type="arrow"/>
+          </a:ln>
+        </p:spPr>
+        <p:style>
+          <a:lnRef idx="1">
+            <a:schemeClr val="accent1"/>
+          </a:lnRef>
+          <a:fillRef idx="0">
+            <a:schemeClr val="accent1"/>
+          </a:fillRef>
+          <a:effectRef idx="0">
+            <a:schemeClr val="accent1"/>
+          </a:effectRef>
+          <a:fontRef idx="minor">
+            <a:schemeClr val="tx1"/>
+          </a:fontRef>
+        </p:style>
+      </p:cxnSp>
+      <p:cxnSp>
+        <p:nvCxnSpPr>
+          <p:cNvPr id="19" name="直接箭头连接符 18">
+            <a:extLst>
+              <a:ext uri="{FF2B5EF4-FFF2-40B4-BE49-F238E27FC236}">
+                <a16:creationId xmlns:a16="http://schemas.microsoft.com/office/drawing/2014/main" id="{E6A1428D-9EBC-4370-86B4-2FB54889ABF8}"/>
+              </a:ext>
+            </a:extLst>
+          </p:cNvPr>
+          <p:cNvCxnSpPr/>
+          <p:nvPr/>
+        </p:nvCxnSpPr>
+        <p:spPr>
+          <a:xfrm>
+            <a:off x="1143770" y="6000768"/>
+            <a:ext cx="571504" cy="1588"/>
+          </a:xfrm>
+          <a:prstGeom prst="straightConnector1">
+            <a:avLst/>
+          </a:prstGeom>
+          <a:ln>
+            <a:solidFill>
+              <a:schemeClr val="tx1"/>
+            </a:solidFill>
+            <a:tailEnd type="arrow"/>
+          </a:ln>
+        </p:spPr>
+        <p:style>
+          <a:lnRef idx="1">
+            <a:schemeClr val="accent1"/>
+          </a:lnRef>
+          <a:fillRef idx="0">
+            <a:schemeClr val="accent1"/>
+          </a:fillRef>
+          <a:effectRef idx="0">
+            <a:schemeClr val="accent1"/>
+          </a:effectRef>
+          <a:fontRef idx="minor">
+            <a:schemeClr val="tx1"/>
+          </a:fontRef>
+        </p:style>
+      </p:cxnSp>
+      <mc:AlternateContent xmlns:mc="http://schemas.openxmlformats.org/markup-compatibility/2006">
+        <mc:Choice xmlns:a14="http://schemas.microsoft.com/office/drawing/2010/main" Requires="a14">
+          <p:sp>
+            <p:nvSpPr>
+              <p:cNvPr id="20" name="TextBox 26">
+                <a:extLst>
+                  <a:ext uri="{FF2B5EF4-FFF2-40B4-BE49-F238E27FC236}">
+                    <a16:creationId xmlns:a16="http://schemas.microsoft.com/office/drawing/2014/main" id="{423374A6-CC6A-42BE-84BF-6809FC20071B}"/>
+                  </a:ext>
+                </a:extLst>
+              </p:cNvPr>
+              <p:cNvSpPr txBox="1"/>
+              <p:nvPr/>
+            </p:nvSpPr>
+            <p:spPr>
+              <a:xfrm>
+                <a:off x="1671989" y="5715413"/>
+                <a:ext cx="367986" cy="369332"/>
+              </a:xfrm>
+              <a:prstGeom prst="rect">
+                <a:avLst/>
+              </a:prstGeom>
+              <a:noFill/>
+            </p:spPr>
+            <p:txBody>
+              <a:bodyPr wrap="none" rtlCol="0">
+                <a:spAutoFit/>
+              </a:bodyPr>
+              <a:lstStyle/>
+              <a:p>
+                <a:pPr/>
+                <a14:m>
+                  <m:oMathPara xmlns:m="http://schemas.openxmlformats.org/officeDocument/2006/math">
+                    <m:oMathParaPr>
+                      <m:jc m:val="centerGroup"/>
+                    </m:oMathParaPr>
+                    <m:oMath xmlns:m="http://schemas.openxmlformats.org/officeDocument/2006/math">
+                      <m:r>
+                        <a:rPr lang="en-US" altLang="zh-CN" i="1" dirty="0" smtClean="0">
+                          <a:latin typeface="Cambria Math" panose="02040503050406030204" pitchFamily="18" charset="0"/>
+                        </a:rPr>
+                        <m:t>𝑥</m:t>
+                      </m:r>
+                    </m:oMath>
+                  </m:oMathPara>
+                </a14:m>
+                <a:endParaRPr lang="zh-CN" altLang="en-US" dirty="0"/>
+              </a:p>
+            </p:txBody>
+          </p:sp>
+        </mc:Choice>
+        <mc:Fallback>
+          <p:sp>
+            <p:nvSpPr>
+              <p:cNvPr id="20" name="TextBox 26">
+                <a:extLst>
+                  <a:ext uri="{FF2B5EF4-FFF2-40B4-BE49-F238E27FC236}">
+                    <a16:creationId xmlns:a16="http://schemas.microsoft.com/office/drawing/2014/main" id="{423374A6-CC6A-42BE-84BF-6809FC20071B}"/>
+                  </a:ext>
+                </a:extLst>
+              </p:cNvPr>
+              <p:cNvSpPr txBox="1">
+                <a:spLocks noRot="1" noChangeAspect="1" noMove="1" noResize="1" noEditPoints="1" noAdjustHandles="1" noChangeArrowheads="1" noChangeShapeType="1" noTextEdit="1"/>
+              </p:cNvSpPr>
+              <p:nvPr/>
+            </p:nvSpPr>
+            <p:spPr>
+              <a:xfrm>
+                <a:off x="1671989" y="5715413"/>
+                <a:ext cx="367986" cy="369332"/>
+              </a:xfrm>
+              <a:prstGeom prst="rect">
+                <a:avLst/>
+              </a:prstGeom>
+              <a:blipFill>
+                <a:blip r:embed="rId5"/>
+                <a:stretch>
+                  <a:fillRect/>
+                </a:stretch>
+              </a:blipFill>
+            </p:spPr>
+            <p:txBody>
+              <a:bodyPr/>
+              <a:lstStyle/>
+              <a:p>
+                <a:r>
+                  <a:rPr lang="zh-CN" altLang="en-US">
+                    <a:noFill/>
+                  </a:rPr>
+                  <a:t> </a:t>
+                </a:r>
+              </a:p>
+            </p:txBody>
+          </p:sp>
+        </mc:Fallback>
+      </mc:AlternateContent>
+      <mc:AlternateContent xmlns:mc="http://schemas.openxmlformats.org/markup-compatibility/2006">
+        <mc:Choice xmlns:a14="http://schemas.microsoft.com/office/drawing/2010/main" Requires="a14">
+          <p:sp>
+            <p:nvSpPr>
+              <p:cNvPr id="21" name="TextBox 27">
+                <a:extLst>
+                  <a:ext uri="{FF2B5EF4-FFF2-40B4-BE49-F238E27FC236}">
+                    <a16:creationId xmlns:a16="http://schemas.microsoft.com/office/drawing/2014/main" id="{0C613301-DD30-4B59-9DAE-FAD964360C0E}"/>
+                  </a:ext>
+                </a:extLst>
+              </p:cNvPr>
+              <p:cNvSpPr txBox="1"/>
+              <p:nvPr/>
+            </p:nvSpPr>
+            <p:spPr>
+              <a:xfrm>
+                <a:off x="1129197" y="5328063"/>
+                <a:ext cx="371384" cy="369332"/>
+              </a:xfrm>
+              <a:prstGeom prst="rect">
+                <a:avLst/>
+              </a:prstGeom>
+              <a:noFill/>
+            </p:spPr>
+            <p:txBody>
+              <a:bodyPr wrap="none" rtlCol="0">
+                <a:spAutoFit/>
+              </a:bodyPr>
+              <a:lstStyle/>
+              <a:p>
+                <a:pPr/>
+                <a14:m>
+                  <m:oMathPara xmlns:m="http://schemas.openxmlformats.org/officeDocument/2006/math">
+                    <m:oMathParaPr>
+                      <m:jc m:val="centerGroup"/>
+                    </m:oMathParaPr>
+                    <m:oMath xmlns:m="http://schemas.openxmlformats.org/officeDocument/2006/math">
+                      <m:r>
+                        <a:rPr lang="en-US" altLang="zh-CN" i="1" dirty="0" smtClean="0">
+                          <a:latin typeface="Cambria Math" panose="02040503050406030204" pitchFamily="18" charset="0"/>
+                        </a:rPr>
+                        <m:t>𝑦</m:t>
+                      </m:r>
+                    </m:oMath>
+                  </m:oMathPara>
+                </a14:m>
+                <a:endParaRPr lang="zh-CN" altLang="en-US" dirty="0"/>
+              </a:p>
+            </p:txBody>
+          </p:sp>
+        </mc:Choice>
+        <mc:Fallback>
+          <p:sp>
+            <p:nvSpPr>
+              <p:cNvPr id="21" name="TextBox 27">
+                <a:extLst>
+                  <a:ext uri="{FF2B5EF4-FFF2-40B4-BE49-F238E27FC236}">
+                    <a16:creationId xmlns:a16="http://schemas.microsoft.com/office/drawing/2014/main" id="{0C613301-DD30-4B59-9DAE-FAD964360C0E}"/>
+                  </a:ext>
+                </a:extLst>
+              </p:cNvPr>
+              <p:cNvSpPr txBox="1">
+                <a:spLocks noRot="1" noChangeAspect="1" noMove="1" noResize="1" noEditPoints="1" noAdjustHandles="1" noChangeArrowheads="1" noChangeShapeType="1" noTextEdit="1"/>
+              </p:cNvSpPr>
+              <p:nvPr/>
+            </p:nvSpPr>
+            <p:spPr>
+              <a:xfrm>
+                <a:off x="1129197" y="5328063"/>
+                <a:ext cx="371384" cy="369332"/>
+              </a:xfrm>
+              <a:prstGeom prst="rect">
+                <a:avLst/>
+              </a:prstGeom>
+              <a:blipFill>
+                <a:blip r:embed="rId6"/>
+                <a:stretch>
+                  <a:fillRect b="-6557"/>
+                </a:stretch>
+              </a:blipFill>
+            </p:spPr>
+            <p:txBody>
+              <a:bodyPr/>
+              <a:lstStyle/>
+              <a:p>
+                <a:r>
+                  <a:rPr lang="zh-CN" altLang="en-US">
+                    <a:noFill/>
+                  </a:rPr>
+                  <a:t> </a:t>
+                </a:r>
+              </a:p>
+            </p:txBody>
+          </p:sp>
+        </mc:Fallback>
+      </mc:AlternateContent>
+      <mc:AlternateContent xmlns:mc="http://schemas.openxmlformats.org/markup-compatibility/2006">
+        <mc:Choice xmlns:a14="http://schemas.microsoft.com/office/drawing/2010/main" Requires="a14">
+          <p:sp>
+            <p:nvSpPr>
+              <p:cNvPr id="22" name="文本框 21">
+                <a:extLst>
+                  <a:ext uri="{FF2B5EF4-FFF2-40B4-BE49-F238E27FC236}">
+                    <a16:creationId xmlns:a16="http://schemas.microsoft.com/office/drawing/2014/main" id="{029B2656-910E-4AF7-915C-A9F1BE655269}"/>
+                  </a:ext>
+                </a:extLst>
+              </p:cNvPr>
+              <p:cNvSpPr txBox="1"/>
+              <p:nvPr/>
+            </p:nvSpPr>
+            <p:spPr>
+              <a:xfrm>
+                <a:off x="1714480" y="1252536"/>
+                <a:ext cx="1080745" cy="369332"/>
+              </a:xfrm>
+              <a:prstGeom prst="rect">
+                <a:avLst/>
+              </a:prstGeom>
+              <a:noFill/>
+            </p:spPr>
+            <p:txBody>
+              <a:bodyPr wrap="none" rtlCol="0">
+                <a:spAutoFit/>
+              </a:bodyPr>
+              <a:lstStyle/>
+              <a:p>
+                <a:pPr/>
+                <a14:m>
+                  <m:oMathPara xmlns:m="http://schemas.openxmlformats.org/officeDocument/2006/math">
+                    <m:oMathParaPr>
+                      <m:jc m:val="centerGroup"/>
+                    </m:oMathParaPr>
+                    <m:oMath xmlns:m="http://schemas.openxmlformats.org/officeDocument/2006/math">
+                      <m:r>
+                        <a:rPr lang="en-US" altLang="zh-CN" b="0" i="1" smtClean="0">
+                          <a:latin typeface="Cambria Math" panose="02040503050406030204" pitchFamily="18" charset="0"/>
+                        </a:rPr>
+                        <m:t>(0 , 100)</m:t>
+                      </m:r>
+                    </m:oMath>
+                  </m:oMathPara>
+                </a14:m>
+                <a:endParaRPr lang="zh-CN" altLang="en-US" dirty="0"/>
+              </a:p>
+            </p:txBody>
+          </p:sp>
+        </mc:Choice>
+        <mc:Fallback>
+          <p:sp>
+            <p:nvSpPr>
+              <p:cNvPr id="22" name="文本框 21">
+                <a:extLst>
+                  <a:ext uri="{FF2B5EF4-FFF2-40B4-BE49-F238E27FC236}">
+                    <a16:creationId xmlns:a16="http://schemas.microsoft.com/office/drawing/2014/main" id="{029B2656-910E-4AF7-915C-A9F1BE655269}"/>
+                  </a:ext>
+                </a:extLst>
+              </p:cNvPr>
+              <p:cNvSpPr txBox="1">
+                <a:spLocks noRot="1" noChangeAspect="1" noMove="1" noResize="1" noEditPoints="1" noAdjustHandles="1" noChangeArrowheads="1" noChangeShapeType="1" noTextEdit="1"/>
+              </p:cNvSpPr>
+              <p:nvPr/>
+            </p:nvSpPr>
+            <p:spPr>
+              <a:xfrm>
+                <a:off x="1714480" y="1252536"/>
+                <a:ext cx="1080745" cy="369332"/>
+              </a:xfrm>
+              <a:prstGeom prst="rect">
+                <a:avLst/>
+              </a:prstGeom>
+              <a:blipFill>
+                <a:blip r:embed="rId7"/>
+                <a:stretch>
+                  <a:fillRect b="-13115"/>
+                </a:stretch>
+              </a:blipFill>
+            </p:spPr>
+            <p:txBody>
+              <a:bodyPr/>
+              <a:lstStyle/>
+              <a:p>
+                <a:r>
+                  <a:rPr lang="zh-CN" altLang="en-US">
+                    <a:noFill/>
+                  </a:rPr>
+                  <a:t> </a:t>
+                </a:r>
+              </a:p>
+            </p:txBody>
+          </p:sp>
+        </mc:Fallback>
+      </mc:AlternateContent>
+      <mc:AlternateContent xmlns:mc="http://schemas.openxmlformats.org/markup-compatibility/2006">
+        <mc:Choice xmlns:a14="http://schemas.microsoft.com/office/drawing/2010/main" Requires="a14">
+          <p:sp>
+            <p:nvSpPr>
+              <p:cNvPr id="23" name="文本框 22">
+                <a:extLst>
+                  <a:ext uri="{FF2B5EF4-FFF2-40B4-BE49-F238E27FC236}">
+                    <a16:creationId xmlns:a16="http://schemas.microsoft.com/office/drawing/2014/main" id="{3E305AD6-5451-4262-98D4-1ECAD8C42766}"/>
+                  </a:ext>
+                </a:extLst>
+              </p:cNvPr>
+              <p:cNvSpPr txBox="1"/>
+              <p:nvPr/>
+            </p:nvSpPr>
+            <p:spPr>
+              <a:xfrm>
+                <a:off x="5646440" y="1232210"/>
+                <a:ext cx="1337226" cy="369332"/>
+              </a:xfrm>
+              <a:prstGeom prst="rect">
+                <a:avLst/>
+              </a:prstGeom>
+              <a:noFill/>
+            </p:spPr>
+            <p:txBody>
+              <a:bodyPr wrap="none" rtlCol="0">
+                <a:spAutoFit/>
+              </a:bodyPr>
+              <a:lstStyle/>
+              <a:p>
+                <a:pPr/>
+                <a14:m>
+                  <m:oMathPara xmlns:m="http://schemas.openxmlformats.org/officeDocument/2006/math">
+                    <m:oMathParaPr>
+                      <m:jc m:val="centerGroup"/>
+                    </m:oMathParaPr>
+                    <m:oMath xmlns:m="http://schemas.openxmlformats.org/officeDocument/2006/math">
+                      <m:r>
+                        <a:rPr lang="en-US" altLang="zh-CN" b="0" i="1" smtClean="0">
+                          <a:latin typeface="Cambria Math" panose="02040503050406030204" pitchFamily="18" charset="0"/>
+                        </a:rPr>
+                        <m:t>(100 , 100)</m:t>
+                      </m:r>
+                    </m:oMath>
+                  </m:oMathPara>
+                </a14:m>
+                <a:endParaRPr lang="zh-CN" altLang="en-US" dirty="0"/>
+              </a:p>
+            </p:txBody>
+          </p:sp>
+        </mc:Choice>
+        <mc:Fallback>
+          <p:sp>
+            <p:nvSpPr>
+              <p:cNvPr id="23" name="文本框 22">
+                <a:extLst>
+                  <a:ext uri="{FF2B5EF4-FFF2-40B4-BE49-F238E27FC236}">
+                    <a16:creationId xmlns:a16="http://schemas.microsoft.com/office/drawing/2014/main" id="{3E305AD6-5451-4262-98D4-1ECAD8C42766}"/>
+                  </a:ext>
+                </a:extLst>
+              </p:cNvPr>
+              <p:cNvSpPr txBox="1">
+                <a:spLocks noRot="1" noChangeAspect="1" noMove="1" noResize="1" noEditPoints="1" noAdjustHandles="1" noChangeArrowheads="1" noChangeShapeType="1" noTextEdit="1"/>
+              </p:cNvSpPr>
+              <p:nvPr/>
+            </p:nvSpPr>
+            <p:spPr>
+              <a:xfrm>
+                <a:off x="5646440" y="1232210"/>
+                <a:ext cx="1337226" cy="369332"/>
+              </a:xfrm>
+              <a:prstGeom prst="rect">
+                <a:avLst/>
+              </a:prstGeom>
+              <a:blipFill>
+                <a:blip r:embed="rId8"/>
+                <a:stretch>
+                  <a:fillRect b="-13115"/>
+                </a:stretch>
+              </a:blipFill>
+            </p:spPr>
+            <p:txBody>
+              <a:bodyPr/>
+              <a:lstStyle/>
+              <a:p>
+                <a:r>
+                  <a:rPr lang="zh-CN" altLang="en-US">
+                    <a:noFill/>
+                  </a:rPr>
+                  <a:t> </a:t>
+                </a:r>
+              </a:p>
+            </p:txBody>
+          </p:sp>
+        </mc:Fallback>
+      </mc:AlternateContent>
+      <mc:AlternateContent xmlns:mc="http://schemas.openxmlformats.org/markup-compatibility/2006">
+        <mc:Choice xmlns:a14="http://schemas.microsoft.com/office/drawing/2010/main" Requires="a14">
+          <p:sp>
+            <p:nvSpPr>
+              <p:cNvPr id="24" name="文本框 23">
+                <a:extLst>
+                  <a:ext uri="{FF2B5EF4-FFF2-40B4-BE49-F238E27FC236}">
+                    <a16:creationId xmlns:a16="http://schemas.microsoft.com/office/drawing/2014/main" id="{DDB7C9F9-FE54-4413-8CBA-A207D028FC9F}"/>
+                  </a:ext>
+                </a:extLst>
+              </p:cNvPr>
+              <p:cNvSpPr txBox="1"/>
+              <p:nvPr/>
+            </p:nvSpPr>
+            <p:spPr>
+              <a:xfrm>
+                <a:off x="1424791" y="5245674"/>
+                <a:ext cx="366062" cy="369332"/>
+              </a:xfrm>
+              <a:prstGeom prst="rect">
+                <a:avLst/>
+              </a:prstGeom>
+              <a:noFill/>
+            </p:spPr>
+            <p:txBody>
+              <a:bodyPr wrap="none" rtlCol="0">
+                <a:spAutoFit/>
+              </a:bodyPr>
+              <a:lstStyle/>
+              <a:p>
+                <a:pPr/>
+                <a14:m>
+                  <m:oMathPara xmlns:m="http://schemas.openxmlformats.org/officeDocument/2006/math">
+                    <m:oMathParaPr>
+                      <m:jc m:val="centerGroup"/>
+                    </m:oMathParaPr>
+                    <m:oMath xmlns:m="http://schemas.openxmlformats.org/officeDocument/2006/math">
+                      <m:r>
+                        <a:rPr lang="en-US" altLang="zh-CN" i="1" dirty="0" smtClean="0">
+                          <a:latin typeface="Cambria Math" panose="02040503050406030204" pitchFamily="18" charset="0"/>
+                        </a:rPr>
+                        <m:t>𝑜</m:t>
+                      </m:r>
+                    </m:oMath>
+                  </m:oMathPara>
+                </a14:m>
+                <a:endParaRPr lang="zh-CN" altLang="en-US" dirty="0"/>
+              </a:p>
+            </p:txBody>
+          </p:sp>
+        </mc:Choice>
+        <mc:Fallback>
+          <p:sp>
+            <p:nvSpPr>
+              <p:cNvPr id="24" name="文本框 23">
+                <a:extLst>
+                  <a:ext uri="{FF2B5EF4-FFF2-40B4-BE49-F238E27FC236}">
+                    <a16:creationId xmlns:a16="http://schemas.microsoft.com/office/drawing/2014/main" id="{DDB7C9F9-FE54-4413-8CBA-A207D028FC9F}"/>
+                  </a:ext>
+                </a:extLst>
+              </p:cNvPr>
+              <p:cNvSpPr txBox="1">
+                <a:spLocks noRot="1" noChangeAspect="1" noMove="1" noResize="1" noEditPoints="1" noAdjustHandles="1" noChangeArrowheads="1" noChangeShapeType="1" noTextEdit="1"/>
+              </p:cNvSpPr>
+              <p:nvPr/>
+            </p:nvSpPr>
+            <p:spPr>
+              <a:xfrm>
+                <a:off x="1424791" y="5245674"/>
+                <a:ext cx="366062" cy="369332"/>
+              </a:xfrm>
+              <a:prstGeom prst="rect">
+                <a:avLst/>
+              </a:prstGeom>
+              <a:blipFill>
+                <a:blip r:embed="rId9"/>
+                <a:stretch>
+                  <a:fillRect/>
+                </a:stretch>
+              </a:blipFill>
+            </p:spPr>
+            <p:txBody>
+              <a:bodyPr/>
+              <a:lstStyle/>
+              <a:p>
+                <a:r>
+                  <a:rPr lang="zh-CN" altLang="en-US">
+                    <a:noFill/>
+                  </a:rPr>
+                  <a:t> </a:t>
+                </a:r>
+              </a:p>
+            </p:txBody>
+          </p:sp>
+        </mc:Fallback>
+      </mc:AlternateContent>
+      <mc:AlternateContent xmlns:mc="http://schemas.openxmlformats.org/markup-compatibility/2006">
+        <mc:Choice xmlns:a14="http://schemas.microsoft.com/office/drawing/2010/main" Requires="a14">
+          <p:sp>
+            <p:nvSpPr>
+              <p:cNvPr id="25" name="文本框 24">
+                <a:extLst>
+                  <a:ext uri="{FF2B5EF4-FFF2-40B4-BE49-F238E27FC236}">
+                    <a16:creationId xmlns:a16="http://schemas.microsoft.com/office/drawing/2014/main" id="{2FF5B4BE-2572-47D4-8BA4-0868AD7BAC8A}"/>
+                  </a:ext>
+                </a:extLst>
+              </p:cNvPr>
+              <p:cNvSpPr txBox="1"/>
+              <p:nvPr/>
+            </p:nvSpPr>
+            <p:spPr>
+              <a:xfrm>
+                <a:off x="5907735" y="4958731"/>
+                <a:ext cx="1080745" cy="369332"/>
+              </a:xfrm>
+              <a:prstGeom prst="rect">
+                <a:avLst/>
+              </a:prstGeom>
+              <a:noFill/>
+            </p:spPr>
+            <p:txBody>
+              <a:bodyPr wrap="none" rtlCol="0">
+                <a:spAutoFit/>
+              </a:bodyPr>
+              <a:lstStyle/>
+              <a:p>
+                <a:pPr/>
+                <a14:m>
+                  <m:oMathPara xmlns:m="http://schemas.openxmlformats.org/officeDocument/2006/math">
+                    <m:oMathParaPr>
+                      <m:jc m:val="centerGroup"/>
+                    </m:oMathParaPr>
+                    <m:oMath xmlns:m="http://schemas.openxmlformats.org/officeDocument/2006/math">
+                      <m:r>
+                        <a:rPr lang="en-US" altLang="zh-CN" b="0" i="1" smtClean="0">
+                          <a:latin typeface="Cambria Math" panose="02040503050406030204" pitchFamily="18" charset="0"/>
+                        </a:rPr>
+                        <m:t>(100 , 0)</m:t>
+                      </m:r>
+                    </m:oMath>
+                  </m:oMathPara>
+                </a14:m>
+                <a:endParaRPr lang="zh-CN" altLang="en-US" dirty="0"/>
+              </a:p>
+            </p:txBody>
+          </p:sp>
+        </mc:Choice>
+        <mc:Fallback>
+          <p:sp>
+            <p:nvSpPr>
+              <p:cNvPr id="25" name="文本框 24">
+                <a:extLst>
+                  <a:ext uri="{FF2B5EF4-FFF2-40B4-BE49-F238E27FC236}">
+                    <a16:creationId xmlns:a16="http://schemas.microsoft.com/office/drawing/2014/main" id="{2FF5B4BE-2572-47D4-8BA4-0868AD7BAC8A}"/>
+                  </a:ext>
+                </a:extLst>
+              </p:cNvPr>
+              <p:cNvSpPr txBox="1">
+                <a:spLocks noRot="1" noChangeAspect="1" noMove="1" noResize="1" noEditPoints="1" noAdjustHandles="1" noChangeArrowheads="1" noChangeShapeType="1" noTextEdit="1"/>
+              </p:cNvSpPr>
+              <p:nvPr/>
+            </p:nvSpPr>
+            <p:spPr>
+              <a:xfrm>
+                <a:off x="5907735" y="4958731"/>
+                <a:ext cx="1080745" cy="369332"/>
+              </a:xfrm>
+              <a:prstGeom prst="rect">
+                <a:avLst/>
+              </a:prstGeom>
+              <a:blipFill>
+                <a:blip r:embed="rId10"/>
+                <a:stretch>
+                  <a:fillRect b="-13115"/>
+                </a:stretch>
+              </a:blipFill>
+            </p:spPr>
+            <p:txBody>
+              <a:bodyPr/>
+              <a:lstStyle/>
+              <a:p>
+                <a:r>
+                  <a:rPr lang="zh-CN" altLang="en-US">
+                    <a:noFill/>
+                  </a:rPr>
+                  <a:t> </a:t>
+                </a:r>
+              </a:p>
+            </p:txBody>
+          </p:sp>
+        </mc:Fallback>
+      </mc:AlternateContent>
     </p:spTree>
   </p:cSld>
   <p:clrMapOvr>
@@ -32734,6 +33641,1309 @@
 </file>
 
 <file path=ppt/slides/slide6.xml><?xml version="1.0" encoding="utf-8"?>
+<p:sld xmlns:a="http://schemas.openxmlformats.org/drawingml/2006/main" xmlns:r="http://schemas.openxmlformats.org/officeDocument/2006/relationships" xmlns:p="http://schemas.openxmlformats.org/presentationml/2006/main">
+  <p:cSld>
+    <p:spTree>
+      <p:nvGrpSpPr>
+        <p:cNvPr id="1" name=""/>
+        <p:cNvGrpSpPr/>
+        <p:nvPr/>
+      </p:nvGrpSpPr>
+      <p:grpSpPr>
+        <a:xfrm>
+          <a:off x="0" y="0"/>
+          <a:ext cx="0" cy="0"/>
+          <a:chOff x="0" y="0"/>
+          <a:chExt cx="0" cy="0"/>
+        </a:xfrm>
+      </p:grpSpPr>
+      <p:grpSp>
+        <p:nvGrpSpPr>
+          <p:cNvPr id="2" name="组合 1">
+            <a:extLst>
+              <a:ext uri="{FF2B5EF4-FFF2-40B4-BE49-F238E27FC236}">
+                <a16:creationId xmlns:a16="http://schemas.microsoft.com/office/drawing/2014/main" id="{EAF357FB-BB10-47AF-BB25-6A7D95587818}"/>
+              </a:ext>
+            </a:extLst>
+          </p:cNvPr>
+          <p:cNvGrpSpPr/>
+          <p:nvPr/>
+        </p:nvGrpSpPr>
+        <p:grpSpPr>
+          <a:xfrm>
+            <a:off x="1129197" y="1216335"/>
+            <a:ext cx="6276798" cy="4868410"/>
+            <a:chOff x="1129197" y="1216335"/>
+            <a:chExt cx="6276798" cy="4868410"/>
+          </a:xfrm>
+        </p:grpSpPr>
+        <p:grpSp>
+          <p:nvGrpSpPr>
+            <p:cNvPr id="16" name="组合 15">
+              <a:extLst>
+                <a:ext uri="{FF2B5EF4-FFF2-40B4-BE49-F238E27FC236}">
+                  <a16:creationId xmlns:a16="http://schemas.microsoft.com/office/drawing/2014/main" id="{32BEFE05-0D56-4608-8CCC-B69249752C90}"/>
+                </a:ext>
+              </a:extLst>
+            </p:cNvPr>
+            <p:cNvGrpSpPr/>
+            <p:nvPr/>
+          </p:nvGrpSpPr>
+          <p:grpSpPr>
+            <a:xfrm>
+              <a:off x="1553823" y="1216335"/>
+              <a:ext cx="5852172" cy="4389129"/>
+              <a:chOff x="1713600" y="1213200"/>
+              <a:chExt cx="5852172" cy="4389129"/>
+            </a:xfrm>
+          </p:grpSpPr>
+          <p:grpSp>
+            <p:nvGrpSpPr>
+              <p:cNvPr id="14" name="组合 13"/>
+              <p:cNvGrpSpPr/>
+              <p:nvPr/>
+            </p:nvGrpSpPr>
+            <p:grpSpPr>
+              <a:xfrm>
+                <a:off x="1714236" y="1213290"/>
+                <a:ext cx="5540644" cy="4180394"/>
+                <a:chOff x="1071538" y="2071678"/>
+                <a:chExt cx="5540644" cy="4180394"/>
+              </a:xfrm>
+            </p:grpSpPr>
+            <p:sp>
+              <p:nvSpPr>
+                <p:cNvPr id="4" name="矩形 3"/>
+                <p:cNvSpPr/>
+                <p:nvPr/>
+              </p:nvSpPr>
+              <p:spPr>
+                <a:xfrm>
+                  <a:off x="1214414" y="2071678"/>
+                  <a:ext cx="5274000" cy="4179600"/>
+                </a:xfrm>
+                <a:prstGeom prst="rect">
+                  <a:avLst/>
+                </a:prstGeom>
+                <a:solidFill>
+                  <a:schemeClr val="bg1"/>
+                </a:solidFill>
+                <a:ln w="19050">
+                  <a:solidFill>
+                    <a:schemeClr val="tx1"/>
+                  </a:solidFill>
+                </a:ln>
+              </p:spPr>
+              <p:style>
+                <a:lnRef idx="2">
+                  <a:schemeClr val="accent1">
+                    <a:shade val="50000"/>
+                  </a:schemeClr>
+                </a:lnRef>
+                <a:fillRef idx="1">
+                  <a:schemeClr val="accent1"/>
+                </a:fillRef>
+                <a:effectRef idx="0">
+                  <a:schemeClr val="accent1"/>
+                </a:effectRef>
+                <a:fontRef idx="minor">
+                  <a:schemeClr val="lt1"/>
+                </a:fontRef>
+              </p:style>
+              <p:txBody>
+                <a:bodyPr rtlCol="0" anchor="ctr"/>
+                <a:lstStyle/>
+                <a:p>
+                  <a:pPr algn="ctr"/>
+                  <a:endParaRPr lang="zh-CN" altLang="en-US"/>
+                </a:p>
+              </p:txBody>
+            </p:sp>
+            <p:pic>
+              <p:nvPicPr>
+                <p:cNvPr id="5" name="图片 4" descr="图片1.png"/>
+                <p:cNvPicPr>
+                  <a:picLocks noChangeAspect="1"/>
+                </p:cNvPicPr>
+                <p:nvPr/>
+              </p:nvPicPr>
+              <p:blipFill>
+                <a:blip r:embed="rId2"/>
+                <a:srcRect r="76264"/>
+                <a:stretch>
+                  <a:fillRect/>
+                </a:stretch>
+              </p:blipFill>
+              <p:spPr>
+                <a:xfrm>
+                  <a:off x="5286380" y="3286124"/>
+                  <a:ext cx="1143008" cy="1816458"/>
+                </a:xfrm>
+                <a:prstGeom prst="rect">
+                  <a:avLst/>
+                </a:prstGeom>
+              </p:spPr>
+            </p:pic>
+            <p:pic>
+              <p:nvPicPr>
+                <p:cNvPr id="6" name="图片 5" descr="图片1.png"/>
+                <p:cNvPicPr>
+                  <a:picLocks noChangeAspect="1"/>
+                </p:cNvPicPr>
+                <p:nvPr/>
+              </p:nvPicPr>
+              <p:blipFill>
+                <a:blip r:embed="rId2"/>
+                <a:srcRect l="75219"/>
+                <a:stretch>
+                  <a:fillRect/>
+                </a:stretch>
+              </p:blipFill>
+              <p:spPr>
+                <a:xfrm>
+                  <a:off x="1214414" y="3286124"/>
+                  <a:ext cx="1193307" cy="1816458"/>
+                </a:xfrm>
+                <a:prstGeom prst="rect">
+                  <a:avLst/>
+                </a:prstGeom>
+              </p:spPr>
+            </p:pic>
+            <p:cxnSp>
+              <p:nvCxnSpPr>
+                <p:cNvPr id="7" name="直接连接符 6"/>
+                <p:cNvCxnSpPr>
+                  <a:stCxn id="4" idx="0"/>
+                  <a:endCxn id="4" idx="2"/>
+                </p:cNvCxnSpPr>
+                <p:nvPr/>
+              </p:nvCxnSpPr>
+              <p:spPr>
+                <a:xfrm rot="16200000" flipH="1">
+                  <a:off x="1761614" y="4161478"/>
+                  <a:ext cx="4179600" cy="1588"/>
+                </a:xfrm>
+                <a:prstGeom prst="line">
+                  <a:avLst/>
+                </a:prstGeom>
+                <a:ln w="19050">
+                  <a:solidFill>
+                    <a:schemeClr val="tx1"/>
+                  </a:solidFill>
+                </a:ln>
+              </p:spPr>
+              <p:style>
+                <a:lnRef idx="1">
+                  <a:schemeClr val="accent1"/>
+                </a:lnRef>
+                <a:fillRef idx="0">
+                  <a:schemeClr val="accent1"/>
+                </a:fillRef>
+                <a:effectRef idx="0">
+                  <a:schemeClr val="accent1"/>
+                </a:effectRef>
+                <a:fontRef idx="minor">
+                  <a:schemeClr val="tx1"/>
+                </a:fontRef>
+              </p:style>
+            </p:cxnSp>
+            <p:sp>
+              <p:nvSpPr>
+                <p:cNvPr id="8" name="矩形 7"/>
+                <p:cNvSpPr/>
+                <p:nvPr/>
+              </p:nvSpPr>
+              <p:spPr>
+                <a:xfrm>
+                  <a:off x="1071538" y="4000504"/>
+                  <a:ext cx="128582" cy="357190"/>
+                </a:xfrm>
+                <a:prstGeom prst="rect">
+                  <a:avLst/>
+                </a:prstGeom>
+                <a:solidFill>
+                  <a:schemeClr val="bg1"/>
+                </a:solidFill>
+                <a:ln w="6350">
+                  <a:solidFill>
+                    <a:schemeClr val="tx1"/>
+                  </a:solidFill>
+                </a:ln>
+              </p:spPr>
+              <p:style>
+                <a:lnRef idx="2">
+                  <a:schemeClr val="accent1">
+                    <a:shade val="50000"/>
+                  </a:schemeClr>
+                </a:lnRef>
+                <a:fillRef idx="1">
+                  <a:schemeClr val="accent1"/>
+                </a:fillRef>
+                <a:effectRef idx="0">
+                  <a:schemeClr val="accent1"/>
+                </a:effectRef>
+                <a:fontRef idx="minor">
+                  <a:schemeClr val="lt1"/>
+                </a:fontRef>
+              </p:style>
+              <p:txBody>
+                <a:bodyPr rtlCol="0" anchor="ctr"/>
+                <a:lstStyle/>
+                <a:p>
+                  <a:pPr algn="ctr"/>
+                  <a:endParaRPr lang="zh-CN" altLang="en-US"/>
+                </a:p>
+              </p:txBody>
+            </p:sp>
+            <p:sp>
+              <p:nvSpPr>
+                <p:cNvPr id="9" name="矩形 8"/>
+                <p:cNvSpPr/>
+                <p:nvPr/>
+              </p:nvSpPr>
+              <p:spPr>
+                <a:xfrm>
+                  <a:off x="1214414" y="2988000"/>
+                  <a:ext cx="889200" cy="2340000"/>
+                </a:xfrm>
+                <a:prstGeom prst="rect">
+                  <a:avLst/>
+                </a:prstGeom>
+                <a:solidFill>
+                  <a:schemeClr val="bg1"/>
+                </a:solidFill>
+                <a:ln w="19050">
+                  <a:solidFill>
+                    <a:schemeClr val="tx1"/>
+                  </a:solidFill>
+                </a:ln>
+              </p:spPr>
+              <p:style>
+                <a:lnRef idx="2">
+                  <a:schemeClr val="accent1">
+                    <a:shade val="50000"/>
+                  </a:schemeClr>
+                </a:lnRef>
+                <a:fillRef idx="1">
+                  <a:schemeClr val="accent1"/>
+                </a:fillRef>
+                <a:effectRef idx="0">
+                  <a:schemeClr val="accent1"/>
+                </a:effectRef>
+                <a:fontRef idx="minor">
+                  <a:schemeClr val="lt1"/>
+                </a:fontRef>
+              </p:style>
+              <p:txBody>
+                <a:bodyPr rtlCol="0" anchor="ctr"/>
+                <a:lstStyle/>
+                <a:p>
+                  <a:pPr algn="ctr"/>
+                  <a:endParaRPr lang="zh-CN" altLang="en-US"/>
+                </a:p>
+              </p:txBody>
+            </p:sp>
+            <p:sp>
+              <p:nvSpPr>
+                <p:cNvPr id="10" name="矩形 9"/>
+                <p:cNvSpPr/>
+                <p:nvPr/>
+              </p:nvSpPr>
+              <p:spPr>
+                <a:xfrm>
+                  <a:off x="5594400" y="3000372"/>
+                  <a:ext cx="889200" cy="2340000"/>
+                </a:xfrm>
+                <a:prstGeom prst="rect">
+                  <a:avLst/>
+                </a:prstGeom>
+                <a:solidFill>
+                  <a:schemeClr val="bg1"/>
+                </a:solidFill>
+                <a:ln w="19050">
+                  <a:solidFill>
+                    <a:schemeClr val="tx1"/>
+                  </a:solidFill>
+                </a:ln>
+              </p:spPr>
+              <p:style>
+                <a:lnRef idx="2">
+                  <a:schemeClr val="accent1">
+                    <a:shade val="50000"/>
+                  </a:schemeClr>
+                </a:lnRef>
+                <a:fillRef idx="1">
+                  <a:schemeClr val="accent1"/>
+                </a:fillRef>
+                <a:effectRef idx="0">
+                  <a:schemeClr val="accent1"/>
+                </a:effectRef>
+                <a:fontRef idx="minor">
+                  <a:schemeClr val="lt1"/>
+                </a:fontRef>
+              </p:style>
+              <p:txBody>
+                <a:bodyPr rtlCol="0" anchor="ctr"/>
+                <a:lstStyle/>
+                <a:p>
+                  <a:pPr algn="ctr"/>
+                  <a:endParaRPr lang="zh-CN" altLang="en-US"/>
+                </a:p>
+              </p:txBody>
+            </p:sp>
+            <p:sp>
+              <p:nvSpPr>
+                <p:cNvPr id="11" name="矩形 10"/>
+                <p:cNvSpPr/>
+                <p:nvPr/>
+              </p:nvSpPr>
+              <p:spPr>
+                <a:xfrm>
+                  <a:off x="6483600" y="4000504"/>
+                  <a:ext cx="128582" cy="357190"/>
+                </a:xfrm>
+                <a:prstGeom prst="rect">
+                  <a:avLst/>
+                </a:prstGeom>
+                <a:solidFill>
+                  <a:schemeClr val="bg1"/>
+                </a:solidFill>
+                <a:ln w="6350">
+                  <a:solidFill>
+                    <a:schemeClr val="tx1"/>
+                  </a:solidFill>
+                </a:ln>
+              </p:spPr>
+              <p:style>
+                <a:lnRef idx="2">
+                  <a:schemeClr val="accent1">
+                    <a:shade val="50000"/>
+                  </a:schemeClr>
+                </a:lnRef>
+                <a:fillRef idx="1">
+                  <a:schemeClr val="accent1"/>
+                </a:fillRef>
+                <a:effectRef idx="0">
+                  <a:schemeClr val="accent1"/>
+                </a:effectRef>
+                <a:fontRef idx="minor">
+                  <a:schemeClr val="lt1"/>
+                </a:fontRef>
+              </p:style>
+              <p:txBody>
+                <a:bodyPr rtlCol="0" anchor="ctr"/>
+                <a:lstStyle/>
+                <a:p>
+                  <a:pPr algn="ctr"/>
+                  <a:endParaRPr lang="zh-CN" altLang="en-US"/>
+                </a:p>
+              </p:txBody>
+            </p:sp>
+            <p:sp>
+              <p:nvSpPr>
+                <p:cNvPr id="12" name="矩形 11"/>
+                <p:cNvSpPr/>
+                <p:nvPr/>
+              </p:nvSpPr>
+              <p:spPr>
+                <a:xfrm>
+                  <a:off x="1214414" y="3714752"/>
+                  <a:ext cx="403200" cy="853200"/>
+                </a:xfrm>
+                <a:prstGeom prst="rect">
+                  <a:avLst/>
+                </a:prstGeom>
+                <a:solidFill>
+                  <a:schemeClr val="bg1"/>
+                </a:solidFill>
+                <a:ln w="19050">
+                  <a:solidFill>
+                    <a:schemeClr val="tx1"/>
+                  </a:solidFill>
+                </a:ln>
+              </p:spPr>
+              <p:style>
+                <a:lnRef idx="2">
+                  <a:schemeClr val="accent1">
+                    <a:shade val="50000"/>
+                  </a:schemeClr>
+                </a:lnRef>
+                <a:fillRef idx="1">
+                  <a:schemeClr val="accent1"/>
+                </a:fillRef>
+                <a:effectRef idx="0">
+                  <a:schemeClr val="accent1"/>
+                </a:effectRef>
+                <a:fontRef idx="minor">
+                  <a:schemeClr val="lt1"/>
+                </a:fontRef>
+              </p:style>
+              <p:txBody>
+                <a:bodyPr rtlCol="0" anchor="ctr"/>
+                <a:lstStyle/>
+                <a:p>
+                  <a:pPr algn="ctr"/>
+                  <a:endParaRPr lang="zh-CN" altLang="en-US"/>
+                </a:p>
+              </p:txBody>
+            </p:sp>
+            <p:sp>
+              <p:nvSpPr>
+                <p:cNvPr id="13" name="矩形 12"/>
+                <p:cNvSpPr/>
+                <p:nvPr/>
+              </p:nvSpPr>
+              <p:spPr>
+                <a:xfrm>
+                  <a:off x="6080400" y="3714752"/>
+                  <a:ext cx="403200" cy="853200"/>
+                </a:xfrm>
+                <a:prstGeom prst="rect">
+                  <a:avLst/>
+                </a:prstGeom>
+                <a:solidFill>
+                  <a:schemeClr val="bg1"/>
+                </a:solidFill>
+                <a:ln w="19050">
+                  <a:solidFill>
+                    <a:schemeClr val="tx1"/>
+                  </a:solidFill>
+                </a:ln>
+              </p:spPr>
+              <p:style>
+                <a:lnRef idx="2">
+                  <a:schemeClr val="accent1">
+                    <a:shade val="50000"/>
+                  </a:schemeClr>
+                </a:lnRef>
+                <a:fillRef idx="1">
+                  <a:schemeClr val="accent1"/>
+                </a:fillRef>
+                <a:effectRef idx="0">
+                  <a:schemeClr val="accent1"/>
+                </a:effectRef>
+                <a:fontRef idx="minor">
+                  <a:schemeClr val="lt1"/>
+                </a:fontRef>
+              </p:style>
+              <p:txBody>
+                <a:bodyPr rtlCol="0" anchor="ctr"/>
+                <a:lstStyle/>
+                <a:p>
+                  <a:pPr algn="ctr"/>
+                  <a:endParaRPr lang="zh-CN" altLang="en-US"/>
+                </a:p>
+              </p:txBody>
+            </p:sp>
+          </p:grpSp>
+          <p:pic>
+            <p:nvPicPr>
+              <p:cNvPr id="15" name="图片 14">
+                <a:extLst>
+                  <a:ext uri="{FF2B5EF4-FFF2-40B4-BE49-F238E27FC236}">
+                    <a16:creationId xmlns:a16="http://schemas.microsoft.com/office/drawing/2014/main" id="{6D0AD6C6-AD23-4DD8-A405-ABB2C9F9C01C}"/>
+                  </a:ext>
+                </a:extLst>
+              </p:cNvPr>
+              <p:cNvPicPr>
+                <a:picLocks noChangeAspect="1"/>
+              </p:cNvPicPr>
+              <p:nvPr/>
+            </p:nvPicPr>
+            <p:blipFill>
+              <a:blip r:embed="rId3">
+                <a:extLst>
+                  <a:ext uri="{28A0092B-C50C-407E-A947-70E740481C1C}">
+                    <a14:useLocalDpi xmlns:a14="http://schemas.microsoft.com/office/drawing/2010/main" val="0"/>
+                  </a:ext>
+                </a:extLst>
+              </a:blip>
+              <a:stretch>
+                <a:fillRect/>
+              </a:stretch>
+            </p:blipFill>
+            <p:spPr>
+              <a:xfrm>
+                <a:off x="1713600" y="1213200"/>
+                <a:ext cx="5852172" cy="4389129"/>
+              </a:xfrm>
+              <a:prstGeom prst="rect">
+                <a:avLst/>
+              </a:prstGeom>
+            </p:spPr>
+          </p:pic>
+        </p:grpSp>
+        <mc:AlternateContent xmlns:mc="http://schemas.openxmlformats.org/markup-compatibility/2006">
+          <mc:Choice xmlns:a14="http://schemas.microsoft.com/office/drawing/2010/main" Requires="a14">
+            <p:sp>
+              <p:nvSpPr>
+                <p:cNvPr id="17" name="文本框 16">
+                  <a:extLst>
+                    <a:ext uri="{FF2B5EF4-FFF2-40B4-BE49-F238E27FC236}">
+                      <a16:creationId xmlns:a16="http://schemas.microsoft.com/office/drawing/2014/main" id="{20FEFBA1-9196-42B3-9A20-E593DF0718B6}"/>
+                    </a:ext>
+                  </a:extLst>
+                </p:cNvPr>
+                <p:cNvSpPr txBox="1"/>
+                <p:nvPr/>
+              </p:nvSpPr>
+              <p:spPr>
+                <a:xfrm>
+                  <a:off x="1779415" y="4896238"/>
+                  <a:ext cx="824265" cy="369332"/>
+                </a:xfrm>
+                <a:prstGeom prst="rect">
+                  <a:avLst/>
+                </a:prstGeom>
+                <a:noFill/>
+              </p:spPr>
+              <p:txBody>
+                <a:bodyPr wrap="none" rtlCol="0">
+                  <a:spAutoFit/>
+                </a:bodyPr>
+                <a:lstStyle/>
+                <a:p>
+                  <a:pPr/>
+                  <a14:m>
+                    <m:oMathPara xmlns:m="http://schemas.openxmlformats.org/officeDocument/2006/math">
+                      <m:oMathParaPr>
+                        <m:jc m:val="centerGroup"/>
+                      </m:oMathParaPr>
+                      <m:oMath xmlns:m="http://schemas.openxmlformats.org/officeDocument/2006/math">
+                        <m:r>
+                          <a:rPr lang="en-US" altLang="zh-CN" b="0" i="1" smtClean="0">
+                            <a:latin typeface="Cambria Math" panose="02040503050406030204" pitchFamily="18" charset="0"/>
+                          </a:rPr>
+                          <m:t>(0 , 0)</m:t>
+                        </m:r>
+                      </m:oMath>
+                    </m:oMathPara>
+                  </a14:m>
+                  <a:endParaRPr lang="zh-CN" altLang="en-US" dirty="0"/>
+                </a:p>
+              </p:txBody>
+            </p:sp>
+          </mc:Choice>
+          <mc:Fallback>
+            <p:sp>
+              <p:nvSpPr>
+                <p:cNvPr id="17" name="文本框 16">
+                  <a:extLst>
+                    <a:ext uri="{FF2B5EF4-FFF2-40B4-BE49-F238E27FC236}">
+                      <a16:creationId xmlns:a16="http://schemas.microsoft.com/office/drawing/2014/main" id="{20FEFBA1-9196-42B3-9A20-E593DF0718B6}"/>
+                    </a:ext>
+                  </a:extLst>
+                </p:cNvPr>
+                <p:cNvSpPr txBox="1">
+                  <a:spLocks noRot="1" noChangeAspect="1" noMove="1" noResize="1" noEditPoints="1" noAdjustHandles="1" noChangeArrowheads="1" noChangeShapeType="1" noTextEdit="1"/>
+                </p:cNvSpPr>
+                <p:nvPr/>
+              </p:nvSpPr>
+              <p:spPr>
+                <a:xfrm>
+                  <a:off x="1779415" y="4896238"/>
+                  <a:ext cx="824265" cy="369332"/>
+                </a:xfrm>
+                <a:prstGeom prst="rect">
+                  <a:avLst/>
+                </a:prstGeom>
+                <a:blipFill>
+                  <a:blip r:embed="rId4"/>
+                  <a:stretch>
+                    <a:fillRect b="-13115"/>
+                  </a:stretch>
+                </a:blipFill>
+              </p:spPr>
+              <p:txBody>
+                <a:bodyPr/>
+                <a:lstStyle/>
+                <a:p>
+                  <a:r>
+                    <a:rPr lang="zh-CN" altLang="en-US">
+                      <a:noFill/>
+                    </a:rPr>
+                    <a:t> </a:t>
+                  </a:r>
+                </a:p>
+              </p:txBody>
+            </p:sp>
+          </mc:Fallback>
+        </mc:AlternateContent>
+        <p:cxnSp>
+          <p:nvCxnSpPr>
+            <p:cNvPr id="18" name="直接箭头连接符 17">
+              <a:extLst>
+                <a:ext uri="{FF2B5EF4-FFF2-40B4-BE49-F238E27FC236}">
+                  <a16:creationId xmlns:a16="http://schemas.microsoft.com/office/drawing/2014/main" id="{8A1799FD-9FAA-411E-BAE8-A5F0474C5039}"/>
+                </a:ext>
+              </a:extLst>
+            </p:cNvPr>
+            <p:cNvCxnSpPr/>
+            <p:nvPr/>
+          </p:nvCxnSpPr>
+          <p:spPr>
+            <a:xfrm rot="5400000" flipH="1" flipV="1">
+              <a:off x="857224" y="5715016"/>
+              <a:ext cx="572298" cy="794"/>
+            </a:xfrm>
+            <a:prstGeom prst="straightConnector1">
+              <a:avLst/>
+            </a:prstGeom>
+            <a:ln>
+              <a:solidFill>
+                <a:schemeClr val="tx1"/>
+              </a:solidFill>
+              <a:tailEnd type="arrow"/>
+            </a:ln>
+          </p:spPr>
+          <p:style>
+            <a:lnRef idx="1">
+              <a:schemeClr val="accent1"/>
+            </a:lnRef>
+            <a:fillRef idx="0">
+              <a:schemeClr val="accent1"/>
+            </a:fillRef>
+            <a:effectRef idx="0">
+              <a:schemeClr val="accent1"/>
+            </a:effectRef>
+            <a:fontRef idx="minor">
+              <a:schemeClr val="tx1"/>
+            </a:fontRef>
+          </p:style>
+        </p:cxnSp>
+        <p:cxnSp>
+          <p:nvCxnSpPr>
+            <p:cNvPr id="19" name="直接箭头连接符 18">
+              <a:extLst>
+                <a:ext uri="{FF2B5EF4-FFF2-40B4-BE49-F238E27FC236}">
+                  <a16:creationId xmlns:a16="http://schemas.microsoft.com/office/drawing/2014/main" id="{E6A1428D-9EBC-4370-86B4-2FB54889ABF8}"/>
+                </a:ext>
+              </a:extLst>
+            </p:cNvPr>
+            <p:cNvCxnSpPr/>
+            <p:nvPr/>
+          </p:nvCxnSpPr>
+          <p:spPr>
+            <a:xfrm>
+              <a:off x="1143770" y="6000768"/>
+              <a:ext cx="571504" cy="1588"/>
+            </a:xfrm>
+            <a:prstGeom prst="straightConnector1">
+              <a:avLst/>
+            </a:prstGeom>
+            <a:ln>
+              <a:solidFill>
+                <a:schemeClr val="tx1"/>
+              </a:solidFill>
+              <a:tailEnd type="arrow"/>
+            </a:ln>
+          </p:spPr>
+          <p:style>
+            <a:lnRef idx="1">
+              <a:schemeClr val="accent1"/>
+            </a:lnRef>
+            <a:fillRef idx="0">
+              <a:schemeClr val="accent1"/>
+            </a:fillRef>
+            <a:effectRef idx="0">
+              <a:schemeClr val="accent1"/>
+            </a:effectRef>
+            <a:fontRef idx="minor">
+              <a:schemeClr val="tx1"/>
+            </a:fontRef>
+          </p:style>
+        </p:cxnSp>
+        <mc:AlternateContent xmlns:mc="http://schemas.openxmlformats.org/markup-compatibility/2006">
+          <mc:Choice xmlns:a14="http://schemas.microsoft.com/office/drawing/2010/main" Requires="a14">
+            <p:sp>
+              <p:nvSpPr>
+                <p:cNvPr id="20" name="TextBox 26">
+                  <a:extLst>
+                    <a:ext uri="{FF2B5EF4-FFF2-40B4-BE49-F238E27FC236}">
+                      <a16:creationId xmlns:a16="http://schemas.microsoft.com/office/drawing/2014/main" id="{423374A6-CC6A-42BE-84BF-6809FC20071B}"/>
+                    </a:ext>
+                  </a:extLst>
+                </p:cNvPr>
+                <p:cNvSpPr txBox="1"/>
+                <p:nvPr/>
+              </p:nvSpPr>
+              <p:spPr>
+                <a:xfrm>
+                  <a:off x="1671989" y="5715413"/>
+                  <a:ext cx="367986" cy="369332"/>
+                </a:xfrm>
+                <a:prstGeom prst="rect">
+                  <a:avLst/>
+                </a:prstGeom>
+                <a:noFill/>
+              </p:spPr>
+              <p:txBody>
+                <a:bodyPr wrap="none" rtlCol="0">
+                  <a:spAutoFit/>
+                </a:bodyPr>
+                <a:lstStyle/>
+                <a:p>
+                  <a:pPr/>
+                  <a14:m>
+                    <m:oMathPara xmlns:m="http://schemas.openxmlformats.org/officeDocument/2006/math">
+                      <m:oMathParaPr>
+                        <m:jc m:val="centerGroup"/>
+                      </m:oMathParaPr>
+                      <m:oMath xmlns:m="http://schemas.openxmlformats.org/officeDocument/2006/math">
+                        <m:r>
+                          <a:rPr lang="en-US" altLang="zh-CN" i="1" dirty="0" smtClean="0">
+                            <a:latin typeface="Cambria Math" panose="02040503050406030204" pitchFamily="18" charset="0"/>
+                          </a:rPr>
+                          <m:t>𝑥</m:t>
+                        </m:r>
+                      </m:oMath>
+                    </m:oMathPara>
+                  </a14:m>
+                  <a:endParaRPr lang="zh-CN" altLang="en-US" dirty="0"/>
+                </a:p>
+              </p:txBody>
+            </p:sp>
+          </mc:Choice>
+          <mc:Fallback>
+            <p:sp>
+              <p:nvSpPr>
+                <p:cNvPr id="20" name="TextBox 26">
+                  <a:extLst>
+                    <a:ext uri="{FF2B5EF4-FFF2-40B4-BE49-F238E27FC236}">
+                      <a16:creationId xmlns:a16="http://schemas.microsoft.com/office/drawing/2014/main" id="{423374A6-CC6A-42BE-84BF-6809FC20071B}"/>
+                    </a:ext>
+                  </a:extLst>
+                </p:cNvPr>
+                <p:cNvSpPr txBox="1">
+                  <a:spLocks noRot="1" noChangeAspect="1" noMove="1" noResize="1" noEditPoints="1" noAdjustHandles="1" noChangeArrowheads="1" noChangeShapeType="1" noTextEdit="1"/>
+                </p:cNvSpPr>
+                <p:nvPr/>
+              </p:nvSpPr>
+              <p:spPr>
+                <a:xfrm>
+                  <a:off x="1671989" y="5715413"/>
+                  <a:ext cx="367986" cy="369332"/>
+                </a:xfrm>
+                <a:prstGeom prst="rect">
+                  <a:avLst/>
+                </a:prstGeom>
+                <a:blipFill>
+                  <a:blip r:embed="rId5"/>
+                  <a:stretch>
+                    <a:fillRect/>
+                  </a:stretch>
+                </a:blipFill>
+              </p:spPr>
+              <p:txBody>
+                <a:bodyPr/>
+                <a:lstStyle/>
+                <a:p>
+                  <a:r>
+                    <a:rPr lang="zh-CN" altLang="en-US">
+                      <a:noFill/>
+                    </a:rPr>
+                    <a:t> </a:t>
+                  </a:r>
+                </a:p>
+              </p:txBody>
+            </p:sp>
+          </mc:Fallback>
+        </mc:AlternateContent>
+        <mc:AlternateContent xmlns:mc="http://schemas.openxmlformats.org/markup-compatibility/2006">
+          <mc:Choice xmlns:a14="http://schemas.microsoft.com/office/drawing/2010/main" Requires="a14">
+            <p:sp>
+              <p:nvSpPr>
+                <p:cNvPr id="21" name="TextBox 27">
+                  <a:extLst>
+                    <a:ext uri="{FF2B5EF4-FFF2-40B4-BE49-F238E27FC236}">
+                      <a16:creationId xmlns:a16="http://schemas.microsoft.com/office/drawing/2014/main" id="{0C613301-DD30-4B59-9DAE-FAD964360C0E}"/>
+                    </a:ext>
+                  </a:extLst>
+                </p:cNvPr>
+                <p:cNvSpPr txBox="1"/>
+                <p:nvPr/>
+              </p:nvSpPr>
+              <p:spPr>
+                <a:xfrm>
+                  <a:off x="1129197" y="5328063"/>
+                  <a:ext cx="371384" cy="369332"/>
+                </a:xfrm>
+                <a:prstGeom prst="rect">
+                  <a:avLst/>
+                </a:prstGeom>
+                <a:noFill/>
+              </p:spPr>
+              <p:txBody>
+                <a:bodyPr wrap="none" rtlCol="0">
+                  <a:spAutoFit/>
+                </a:bodyPr>
+                <a:lstStyle/>
+                <a:p>
+                  <a:pPr/>
+                  <a14:m>
+                    <m:oMathPara xmlns:m="http://schemas.openxmlformats.org/officeDocument/2006/math">
+                      <m:oMathParaPr>
+                        <m:jc m:val="centerGroup"/>
+                      </m:oMathParaPr>
+                      <m:oMath xmlns:m="http://schemas.openxmlformats.org/officeDocument/2006/math">
+                        <m:r>
+                          <a:rPr lang="en-US" altLang="zh-CN" i="1" dirty="0" smtClean="0">
+                            <a:latin typeface="Cambria Math" panose="02040503050406030204" pitchFamily="18" charset="0"/>
+                          </a:rPr>
+                          <m:t>𝑦</m:t>
+                        </m:r>
+                      </m:oMath>
+                    </m:oMathPara>
+                  </a14:m>
+                  <a:endParaRPr lang="zh-CN" altLang="en-US" dirty="0"/>
+                </a:p>
+              </p:txBody>
+            </p:sp>
+          </mc:Choice>
+          <mc:Fallback>
+            <p:sp>
+              <p:nvSpPr>
+                <p:cNvPr id="21" name="TextBox 27">
+                  <a:extLst>
+                    <a:ext uri="{FF2B5EF4-FFF2-40B4-BE49-F238E27FC236}">
+                      <a16:creationId xmlns:a16="http://schemas.microsoft.com/office/drawing/2014/main" id="{0C613301-DD30-4B59-9DAE-FAD964360C0E}"/>
+                    </a:ext>
+                  </a:extLst>
+                </p:cNvPr>
+                <p:cNvSpPr txBox="1">
+                  <a:spLocks noRot="1" noChangeAspect="1" noMove="1" noResize="1" noEditPoints="1" noAdjustHandles="1" noChangeArrowheads="1" noChangeShapeType="1" noTextEdit="1"/>
+                </p:cNvSpPr>
+                <p:nvPr/>
+              </p:nvSpPr>
+              <p:spPr>
+                <a:xfrm>
+                  <a:off x="1129197" y="5328063"/>
+                  <a:ext cx="371384" cy="369332"/>
+                </a:xfrm>
+                <a:prstGeom prst="rect">
+                  <a:avLst/>
+                </a:prstGeom>
+                <a:blipFill>
+                  <a:blip r:embed="rId6"/>
+                  <a:stretch>
+                    <a:fillRect b="-6557"/>
+                  </a:stretch>
+                </a:blipFill>
+              </p:spPr>
+              <p:txBody>
+                <a:bodyPr/>
+                <a:lstStyle/>
+                <a:p>
+                  <a:r>
+                    <a:rPr lang="zh-CN" altLang="en-US">
+                      <a:noFill/>
+                    </a:rPr>
+                    <a:t> </a:t>
+                  </a:r>
+                </a:p>
+              </p:txBody>
+            </p:sp>
+          </mc:Fallback>
+        </mc:AlternateContent>
+        <mc:AlternateContent xmlns:mc="http://schemas.openxmlformats.org/markup-compatibility/2006">
+          <mc:Choice xmlns:a14="http://schemas.microsoft.com/office/drawing/2010/main" Requires="a14">
+            <p:sp>
+              <p:nvSpPr>
+                <p:cNvPr id="22" name="文本框 21">
+                  <a:extLst>
+                    <a:ext uri="{FF2B5EF4-FFF2-40B4-BE49-F238E27FC236}">
+                      <a16:creationId xmlns:a16="http://schemas.microsoft.com/office/drawing/2014/main" id="{029B2656-910E-4AF7-915C-A9F1BE655269}"/>
+                    </a:ext>
+                  </a:extLst>
+                </p:cNvPr>
+                <p:cNvSpPr txBox="1"/>
+                <p:nvPr/>
+              </p:nvSpPr>
+              <p:spPr>
+                <a:xfrm>
+                  <a:off x="1714480" y="1252536"/>
+                  <a:ext cx="1080745" cy="369332"/>
+                </a:xfrm>
+                <a:prstGeom prst="rect">
+                  <a:avLst/>
+                </a:prstGeom>
+                <a:noFill/>
+              </p:spPr>
+              <p:txBody>
+                <a:bodyPr wrap="none" rtlCol="0">
+                  <a:spAutoFit/>
+                </a:bodyPr>
+                <a:lstStyle/>
+                <a:p>
+                  <a:pPr/>
+                  <a14:m>
+                    <m:oMathPara xmlns:m="http://schemas.openxmlformats.org/officeDocument/2006/math">
+                      <m:oMathParaPr>
+                        <m:jc m:val="centerGroup"/>
+                      </m:oMathParaPr>
+                      <m:oMath xmlns:m="http://schemas.openxmlformats.org/officeDocument/2006/math">
+                        <m:r>
+                          <a:rPr lang="en-US" altLang="zh-CN" b="0" i="1" smtClean="0">
+                            <a:latin typeface="Cambria Math" panose="02040503050406030204" pitchFamily="18" charset="0"/>
+                          </a:rPr>
+                          <m:t>(0 , 100)</m:t>
+                        </m:r>
+                      </m:oMath>
+                    </m:oMathPara>
+                  </a14:m>
+                  <a:endParaRPr lang="zh-CN" altLang="en-US" dirty="0"/>
+                </a:p>
+              </p:txBody>
+            </p:sp>
+          </mc:Choice>
+          <mc:Fallback>
+            <p:sp>
+              <p:nvSpPr>
+                <p:cNvPr id="22" name="文本框 21">
+                  <a:extLst>
+                    <a:ext uri="{FF2B5EF4-FFF2-40B4-BE49-F238E27FC236}">
+                      <a16:creationId xmlns:a16="http://schemas.microsoft.com/office/drawing/2014/main" id="{029B2656-910E-4AF7-915C-A9F1BE655269}"/>
+                    </a:ext>
+                  </a:extLst>
+                </p:cNvPr>
+                <p:cNvSpPr txBox="1">
+                  <a:spLocks noRot="1" noChangeAspect="1" noMove="1" noResize="1" noEditPoints="1" noAdjustHandles="1" noChangeArrowheads="1" noChangeShapeType="1" noTextEdit="1"/>
+                </p:cNvSpPr>
+                <p:nvPr/>
+              </p:nvSpPr>
+              <p:spPr>
+                <a:xfrm>
+                  <a:off x="1714480" y="1252536"/>
+                  <a:ext cx="1080745" cy="369332"/>
+                </a:xfrm>
+                <a:prstGeom prst="rect">
+                  <a:avLst/>
+                </a:prstGeom>
+                <a:blipFill>
+                  <a:blip r:embed="rId7"/>
+                  <a:stretch>
+                    <a:fillRect b="-13115"/>
+                  </a:stretch>
+                </a:blipFill>
+              </p:spPr>
+              <p:txBody>
+                <a:bodyPr/>
+                <a:lstStyle/>
+                <a:p>
+                  <a:r>
+                    <a:rPr lang="zh-CN" altLang="en-US">
+                      <a:noFill/>
+                    </a:rPr>
+                    <a:t> </a:t>
+                  </a:r>
+                </a:p>
+              </p:txBody>
+            </p:sp>
+          </mc:Fallback>
+        </mc:AlternateContent>
+        <mc:AlternateContent xmlns:mc="http://schemas.openxmlformats.org/markup-compatibility/2006">
+          <mc:Choice xmlns:a14="http://schemas.microsoft.com/office/drawing/2010/main" Requires="a14">
+            <p:sp>
+              <p:nvSpPr>
+                <p:cNvPr id="23" name="文本框 22">
+                  <a:extLst>
+                    <a:ext uri="{FF2B5EF4-FFF2-40B4-BE49-F238E27FC236}">
+                      <a16:creationId xmlns:a16="http://schemas.microsoft.com/office/drawing/2014/main" id="{3E305AD6-5451-4262-98D4-1ECAD8C42766}"/>
+                    </a:ext>
+                  </a:extLst>
+                </p:cNvPr>
+                <p:cNvSpPr txBox="1"/>
+                <p:nvPr/>
+              </p:nvSpPr>
+              <p:spPr>
+                <a:xfrm>
+                  <a:off x="5646440" y="1232210"/>
+                  <a:ext cx="1337226" cy="369332"/>
+                </a:xfrm>
+                <a:prstGeom prst="rect">
+                  <a:avLst/>
+                </a:prstGeom>
+                <a:noFill/>
+              </p:spPr>
+              <p:txBody>
+                <a:bodyPr wrap="none" rtlCol="0">
+                  <a:spAutoFit/>
+                </a:bodyPr>
+                <a:lstStyle/>
+                <a:p>
+                  <a:pPr/>
+                  <a14:m>
+                    <m:oMathPara xmlns:m="http://schemas.openxmlformats.org/officeDocument/2006/math">
+                      <m:oMathParaPr>
+                        <m:jc m:val="centerGroup"/>
+                      </m:oMathParaPr>
+                      <m:oMath xmlns:m="http://schemas.openxmlformats.org/officeDocument/2006/math">
+                        <m:r>
+                          <a:rPr lang="en-US" altLang="zh-CN" b="0" i="1" smtClean="0">
+                            <a:latin typeface="Cambria Math" panose="02040503050406030204" pitchFamily="18" charset="0"/>
+                          </a:rPr>
+                          <m:t>(100 , 100)</m:t>
+                        </m:r>
+                      </m:oMath>
+                    </m:oMathPara>
+                  </a14:m>
+                  <a:endParaRPr lang="zh-CN" altLang="en-US" dirty="0"/>
+                </a:p>
+              </p:txBody>
+            </p:sp>
+          </mc:Choice>
+          <mc:Fallback>
+            <p:sp>
+              <p:nvSpPr>
+                <p:cNvPr id="23" name="文本框 22">
+                  <a:extLst>
+                    <a:ext uri="{FF2B5EF4-FFF2-40B4-BE49-F238E27FC236}">
+                      <a16:creationId xmlns:a16="http://schemas.microsoft.com/office/drawing/2014/main" id="{3E305AD6-5451-4262-98D4-1ECAD8C42766}"/>
+                    </a:ext>
+                  </a:extLst>
+                </p:cNvPr>
+                <p:cNvSpPr txBox="1">
+                  <a:spLocks noRot="1" noChangeAspect="1" noMove="1" noResize="1" noEditPoints="1" noAdjustHandles="1" noChangeArrowheads="1" noChangeShapeType="1" noTextEdit="1"/>
+                </p:cNvSpPr>
+                <p:nvPr/>
+              </p:nvSpPr>
+              <p:spPr>
+                <a:xfrm>
+                  <a:off x="5646440" y="1232210"/>
+                  <a:ext cx="1337226" cy="369332"/>
+                </a:xfrm>
+                <a:prstGeom prst="rect">
+                  <a:avLst/>
+                </a:prstGeom>
+                <a:blipFill>
+                  <a:blip r:embed="rId8"/>
+                  <a:stretch>
+                    <a:fillRect b="-13115"/>
+                  </a:stretch>
+                </a:blipFill>
+              </p:spPr>
+              <p:txBody>
+                <a:bodyPr/>
+                <a:lstStyle/>
+                <a:p>
+                  <a:r>
+                    <a:rPr lang="zh-CN" altLang="en-US">
+                      <a:noFill/>
+                    </a:rPr>
+                    <a:t> </a:t>
+                  </a:r>
+                </a:p>
+              </p:txBody>
+            </p:sp>
+          </mc:Fallback>
+        </mc:AlternateContent>
+        <mc:AlternateContent xmlns:mc="http://schemas.openxmlformats.org/markup-compatibility/2006">
+          <mc:Choice xmlns:a14="http://schemas.microsoft.com/office/drawing/2010/main" Requires="a14">
+            <p:sp>
+              <p:nvSpPr>
+                <p:cNvPr id="24" name="文本框 23">
+                  <a:extLst>
+                    <a:ext uri="{FF2B5EF4-FFF2-40B4-BE49-F238E27FC236}">
+                      <a16:creationId xmlns:a16="http://schemas.microsoft.com/office/drawing/2014/main" id="{DDB7C9F9-FE54-4413-8CBA-A207D028FC9F}"/>
+                    </a:ext>
+                  </a:extLst>
+                </p:cNvPr>
+                <p:cNvSpPr txBox="1"/>
+                <p:nvPr/>
+              </p:nvSpPr>
+              <p:spPr>
+                <a:xfrm>
+                  <a:off x="1424791" y="5245674"/>
+                  <a:ext cx="366062" cy="369332"/>
+                </a:xfrm>
+                <a:prstGeom prst="rect">
+                  <a:avLst/>
+                </a:prstGeom>
+                <a:noFill/>
+              </p:spPr>
+              <p:txBody>
+                <a:bodyPr wrap="none" rtlCol="0">
+                  <a:spAutoFit/>
+                </a:bodyPr>
+                <a:lstStyle/>
+                <a:p>
+                  <a:pPr/>
+                  <a14:m>
+                    <m:oMathPara xmlns:m="http://schemas.openxmlformats.org/officeDocument/2006/math">
+                      <m:oMathParaPr>
+                        <m:jc m:val="centerGroup"/>
+                      </m:oMathParaPr>
+                      <m:oMath xmlns:m="http://schemas.openxmlformats.org/officeDocument/2006/math">
+                        <m:r>
+                          <a:rPr lang="en-US" altLang="zh-CN" i="1" dirty="0" smtClean="0">
+                            <a:latin typeface="Cambria Math" panose="02040503050406030204" pitchFamily="18" charset="0"/>
+                          </a:rPr>
+                          <m:t>𝑜</m:t>
+                        </m:r>
+                      </m:oMath>
+                    </m:oMathPara>
+                  </a14:m>
+                  <a:endParaRPr lang="zh-CN" altLang="en-US" dirty="0"/>
+                </a:p>
+              </p:txBody>
+            </p:sp>
+          </mc:Choice>
+          <mc:Fallback>
+            <p:sp>
+              <p:nvSpPr>
+                <p:cNvPr id="24" name="文本框 23">
+                  <a:extLst>
+                    <a:ext uri="{FF2B5EF4-FFF2-40B4-BE49-F238E27FC236}">
+                      <a16:creationId xmlns:a16="http://schemas.microsoft.com/office/drawing/2014/main" id="{DDB7C9F9-FE54-4413-8CBA-A207D028FC9F}"/>
+                    </a:ext>
+                  </a:extLst>
+                </p:cNvPr>
+                <p:cNvSpPr txBox="1">
+                  <a:spLocks noRot="1" noChangeAspect="1" noMove="1" noResize="1" noEditPoints="1" noAdjustHandles="1" noChangeArrowheads="1" noChangeShapeType="1" noTextEdit="1"/>
+                </p:cNvSpPr>
+                <p:nvPr/>
+              </p:nvSpPr>
+              <p:spPr>
+                <a:xfrm>
+                  <a:off x="1424791" y="5245674"/>
+                  <a:ext cx="366062" cy="369332"/>
+                </a:xfrm>
+                <a:prstGeom prst="rect">
+                  <a:avLst/>
+                </a:prstGeom>
+                <a:blipFill>
+                  <a:blip r:embed="rId9"/>
+                  <a:stretch>
+                    <a:fillRect/>
+                  </a:stretch>
+                </a:blipFill>
+              </p:spPr>
+              <p:txBody>
+                <a:bodyPr/>
+                <a:lstStyle/>
+                <a:p>
+                  <a:r>
+                    <a:rPr lang="zh-CN" altLang="en-US">
+                      <a:noFill/>
+                    </a:rPr>
+                    <a:t> </a:t>
+                  </a:r>
+                </a:p>
+              </p:txBody>
+            </p:sp>
+          </mc:Fallback>
+        </mc:AlternateContent>
+        <mc:AlternateContent xmlns:mc="http://schemas.openxmlformats.org/markup-compatibility/2006">
+          <mc:Choice xmlns:a14="http://schemas.microsoft.com/office/drawing/2010/main" Requires="a14">
+            <p:sp>
+              <p:nvSpPr>
+                <p:cNvPr id="25" name="文本框 24">
+                  <a:extLst>
+                    <a:ext uri="{FF2B5EF4-FFF2-40B4-BE49-F238E27FC236}">
+                      <a16:creationId xmlns:a16="http://schemas.microsoft.com/office/drawing/2014/main" id="{2FF5B4BE-2572-47D4-8BA4-0868AD7BAC8A}"/>
+                    </a:ext>
+                  </a:extLst>
+                </p:cNvPr>
+                <p:cNvSpPr txBox="1"/>
+                <p:nvPr/>
+              </p:nvSpPr>
+              <p:spPr>
+                <a:xfrm>
+                  <a:off x="5907735" y="4958731"/>
+                  <a:ext cx="1080745" cy="369332"/>
+                </a:xfrm>
+                <a:prstGeom prst="rect">
+                  <a:avLst/>
+                </a:prstGeom>
+                <a:noFill/>
+              </p:spPr>
+              <p:txBody>
+                <a:bodyPr wrap="none" rtlCol="0">
+                  <a:spAutoFit/>
+                </a:bodyPr>
+                <a:lstStyle/>
+                <a:p>
+                  <a:pPr/>
+                  <a14:m>
+                    <m:oMathPara xmlns:m="http://schemas.openxmlformats.org/officeDocument/2006/math">
+                      <m:oMathParaPr>
+                        <m:jc m:val="centerGroup"/>
+                      </m:oMathParaPr>
+                      <m:oMath xmlns:m="http://schemas.openxmlformats.org/officeDocument/2006/math">
+                        <m:r>
+                          <a:rPr lang="en-US" altLang="zh-CN" b="0" i="1" smtClean="0">
+                            <a:latin typeface="Cambria Math" panose="02040503050406030204" pitchFamily="18" charset="0"/>
+                          </a:rPr>
+                          <m:t>(100 , 0)</m:t>
+                        </m:r>
+                      </m:oMath>
+                    </m:oMathPara>
+                  </a14:m>
+                  <a:endParaRPr lang="zh-CN" altLang="en-US" dirty="0"/>
+                </a:p>
+              </p:txBody>
+            </p:sp>
+          </mc:Choice>
+          <mc:Fallback>
+            <p:sp>
+              <p:nvSpPr>
+                <p:cNvPr id="25" name="文本框 24">
+                  <a:extLst>
+                    <a:ext uri="{FF2B5EF4-FFF2-40B4-BE49-F238E27FC236}">
+                      <a16:creationId xmlns:a16="http://schemas.microsoft.com/office/drawing/2014/main" id="{2FF5B4BE-2572-47D4-8BA4-0868AD7BAC8A}"/>
+                    </a:ext>
+                  </a:extLst>
+                </p:cNvPr>
+                <p:cNvSpPr txBox="1">
+                  <a:spLocks noRot="1" noChangeAspect="1" noMove="1" noResize="1" noEditPoints="1" noAdjustHandles="1" noChangeArrowheads="1" noChangeShapeType="1" noTextEdit="1"/>
+                </p:cNvSpPr>
+                <p:nvPr/>
+              </p:nvSpPr>
+              <p:spPr>
+                <a:xfrm>
+                  <a:off x="5907735" y="4958731"/>
+                  <a:ext cx="1080745" cy="369332"/>
+                </a:xfrm>
+                <a:prstGeom prst="rect">
+                  <a:avLst/>
+                </a:prstGeom>
+                <a:blipFill>
+                  <a:blip r:embed="rId10"/>
+                  <a:stretch>
+                    <a:fillRect b="-13115"/>
+                  </a:stretch>
+                </a:blipFill>
+              </p:spPr>
+              <p:txBody>
+                <a:bodyPr/>
+                <a:lstStyle/>
+                <a:p>
+                  <a:r>
+                    <a:rPr lang="zh-CN" altLang="en-US">
+                      <a:noFill/>
+                    </a:rPr>
+                    <a:t> </a:t>
+                  </a:r>
+                </a:p>
+              </p:txBody>
+            </p:sp>
+          </mc:Fallback>
+        </mc:AlternateContent>
+      </p:grpSp>
+    </p:spTree>
+    <p:extLst>
+      <p:ext uri="{BB962C8B-B14F-4D97-AF65-F5344CB8AC3E}">
+        <p14:creationId xmlns:p14="http://schemas.microsoft.com/office/powerpoint/2010/main" val="1861526876"/>
+      </p:ext>
+    </p:extLst>
+  </p:cSld>
+  <p:clrMapOvr>
+    <a:masterClrMapping/>
+  </p:clrMapOvr>
+</p:sld>
+</file>
+
+<file path=ppt/slides/slide7.xml><?xml version="1.0" encoding="utf-8"?>
 <p:sld xmlns:a="http://schemas.openxmlformats.org/drawingml/2006/main" xmlns:r="http://schemas.openxmlformats.org/officeDocument/2006/relationships" xmlns:p="http://schemas.openxmlformats.org/presentationml/2006/main">
   <p:cSld>
     <p:spTree>
@@ -33157,7 +35367,7 @@
 </p:sld>
 </file>
 
-<file path=ppt/slides/slide7.xml><?xml version="1.0" encoding="utf-8"?>
+<file path=ppt/slides/slide8.xml><?xml version="1.0" encoding="utf-8"?>
 <p:sld xmlns:a="http://schemas.openxmlformats.org/drawingml/2006/main" xmlns:r="http://schemas.openxmlformats.org/officeDocument/2006/relationships" xmlns:p="http://schemas.openxmlformats.org/presentationml/2006/main">
   <p:cSld>
     <p:spTree>
@@ -33602,7 +35812,7 @@
 </p:sld>
 </file>
 
-<file path=ppt/slides/slide8.xml><?xml version="1.0" encoding="utf-8"?>
+<file path=ppt/slides/slide9.xml><?xml version="1.0" encoding="utf-8"?>
 <p:sld xmlns:a="http://schemas.openxmlformats.org/drawingml/2006/main" xmlns:r="http://schemas.openxmlformats.org/officeDocument/2006/relationships" xmlns:p="http://schemas.openxmlformats.org/presentationml/2006/main">
   <p:cSld>
     <p:spTree>
@@ -33755,177 +35965,6 @@
     <p:extLst>
       <p:ext uri="{BB962C8B-B14F-4D97-AF65-F5344CB8AC3E}">
         <p14:creationId xmlns:p14="http://schemas.microsoft.com/office/powerpoint/2010/main" val="3480337065"/>
-      </p:ext>
-    </p:extLst>
-  </p:cSld>
-  <p:clrMapOvr>
-    <a:masterClrMapping/>
-  </p:clrMapOvr>
-</p:sld>
-</file>
-
-<file path=ppt/slides/slide9.xml><?xml version="1.0" encoding="utf-8"?>
-<p:sld xmlns:a="http://schemas.openxmlformats.org/drawingml/2006/main" xmlns:r="http://schemas.openxmlformats.org/officeDocument/2006/relationships" xmlns:p="http://schemas.openxmlformats.org/presentationml/2006/main">
-  <p:cSld>
-    <p:spTree>
-      <p:nvGrpSpPr>
-        <p:cNvPr id="1" name=""/>
-        <p:cNvGrpSpPr/>
-        <p:nvPr/>
-      </p:nvGrpSpPr>
-      <p:grpSpPr>
-        <a:xfrm>
-          <a:off x="0" y="0"/>
-          <a:ext cx="0" cy="0"/>
-          <a:chOff x="0" y="0"/>
-          <a:chExt cx="0" cy="0"/>
-        </a:xfrm>
-      </p:grpSpPr>
-      <p:grpSp>
-        <p:nvGrpSpPr>
-          <p:cNvPr id="2" name="组合 1">
-            <a:extLst>
-              <a:ext uri="{FF2B5EF4-FFF2-40B4-BE49-F238E27FC236}">
-                <a16:creationId xmlns:a16="http://schemas.microsoft.com/office/drawing/2014/main" id="{F5AD7882-E0D5-429A-B084-C67A54A2614A}"/>
-              </a:ext>
-            </a:extLst>
-          </p:cNvPr>
-          <p:cNvGrpSpPr/>
-          <p:nvPr/>
-        </p:nvGrpSpPr>
-        <p:grpSpPr>
-          <a:xfrm>
-            <a:off x="-19050" y="2023215"/>
-            <a:ext cx="9182102" cy="3028834"/>
-            <a:chOff x="-19050" y="2023215"/>
-            <a:chExt cx="9182102" cy="3028834"/>
-          </a:xfrm>
-        </p:grpSpPr>
-        <p:graphicFrame>
-          <p:nvGraphicFramePr>
-            <p:cNvPr id="6" name="图表 5">
-              <a:extLst>
-                <a:ext uri="{FF2B5EF4-FFF2-40B4-BE49-F238E27FC236}">
-                  <a16:creationId xmlns:a16="http://schemas.microsoft.com/office/drawing/2014/main" id="{C36F0904-15E9-4074-A62C-CA681F9F5965}"/>
-                </a:ext>
-              </a:extLst>
-            </p:cNvPr>
-            <p:cNvGraphicFramePr>
-              <a:graphicFrameLocks/>
-            </p:cNvGraphicFramePr>
-            <p:nvPr/>
-          </p:nvGraphicFramePr>
-          <p:xfrm>
-            <a:off x="4591052" y="2023215"/>
-            <a:ext cx="4572000" cy="2743200"/>
-          </p:xfrm>
-          <a:graphic>
-            <a:graphicData uri="http://schemas.openxmlformats.org/drawingml/2006/chart">
-              <c:chart xmlns:c="http://schemas.openxmlformats.org/drawingml/2006/chart" xmlns:r="http://schemas.openxmlformats.org/officeDocument/2006/relationships" r:id="rId2"/>
-            </a:graphicData>
-          </a:graphic>
-        </p:graphicFrame>
-        <p:graphicFrame>
-          <p:nvGraphicFramePr>
-            <p:cNvPr id="7" name="图表 6">
-              <a:extLst>
-                <a:ext uri="{FF2B5EF4-FFF2-40B4-BE49-F238E27FC236}">
-                  <a16:creationId xmlns:a16="http://schemas.microsoft.com/office/drawing/2014/main" id="{048AE29C-2D21-4A1C-A150-14C5FB94F403}"/>
-                </a:ext>
-              </a:extLst>
-            </p:cNvPr>
-            <p:cNvGraphicFramePr>
-              <a:graphicFrameLocks/>
-            </p:cNvGraphicFramePr>
-            <p:nvPr/>
-          </p:nvGraphicFramePr>
-          <p:xfrm>
-            <a:off x="-19050" y="2026920"/>
-            <a:ext cx="4572000" cy="2743200"/>
-          </p:xfrm>
-          <a:graphic>
-            <a:graphicData uri="http://schemas.openxmlformats.org/drawingml/2006/chart">
-              <c:chart xmlns:c="http://schemas.openxmlformats.org/drawingml/2006/chart" xmlns:r="http://schemas.openxmlformats.org/officeDocument/2006/relationships" r:id="rId3"/>
-            </a:graphicData>
-          </a:graphic>
-        </p:graphicFrame>
-        <p:sp>
-          <p:nvSpPr>
-            <p:cNvPr id="8" name="文本框 7">
-              <a:extLst>
-                <a:ext uri="{FF2B5EF4-FFF2-40B4-BE49-F238E27FC236}">
-                  <a16:creationId xmlns:a16="http://schemas.microsoft.com/office/drawing/2014/main" id="{9BA82CD9-AACC-401B-9F48-6059E075525E}"/>
-                </a:ext>
-              </a:extLst>
-            </p:cNvPr>
-            <p:cNvSpPr txBox="1"/>
-            <p:nvPr/>
-          </p:nvSpPr>
-          <p:spPr>
-            <a:xfrm>
-              <a:off x="2091261" y="4773958"/>
-              <a:ext cx="351378" cy="276999"/>
-            </a:xfrm>
-            <a:prstGeom prst="rect">
-              <a:avLst/>
-            </a:prstGeom>
-            <a:noFill/>
-          </p:spPr>
-          <p:txBody>
-            <a:bodyPr wrap="square" rtlCol="0">
-              <a:spAutoFit/>
-            </a:bodyPr>
-            <a:lstStyle/>
-            <a:p>
-              <a:r>
-                <a:rPr lang="en-US" altLang="zh-CN" sz="1200" dirty="0"/>
-                <a:t>(a)</a:t>
-              </a:r>
-              <a:endParaRPr lang="zh-CN" altLang="en-US" sz="1200" dirty="0"/>
-            </a:p>
-          </p:txBody>
-        </p:sp>
-        <p:sp>
-          <p:nvSpPr>
-            <p:cNvPr id="9" name="文本框 8">
-              <a:extLst>
-                <a:ext uri="{FF2B5EF4-FFF2-40B4-BE49-F238E27FC236}">
-                  <a16:creationId xmlns:a16="http://schemas.microsoft.com/office/drawing/2014/main" id="{5BA4C762-9637-4AF4-A1AB-DF389668A740}"/>
-                </a:ext>
-              </a:extLst>
-            </p:cNvPr>
-            <p:cNvSpPr txBox="1"/>
-            <p:nvPr/>
-          </p:nvSpPr>
-          <p:spPr>
-            <a:xfrm>
-              <a:off x="6701363" y="4775050"/>
-              <a:ext cx="351378" cy="276999"/>
-            </a:xfrm>
-            <a:prstGeom prst="rect">
-              <a:avLst/>
-            </a:prstGeom>
-            <a:noFill/>
-          </p:spPr>
-          <p:txBody>
-            <a:bodyPr wrap="square" rtlCol="0">
-              <a:spAutoFit/>
-            </a:bodyPr>
-            <a:lstStyle/>
-            <a:p>
-              <a:r>
-                <a:rPr lang="en-US" altLang="zh-CN" sz="1200" dirty="0"/>
-                <a:t>(b)</a:t>
-              </a:r>
-              <a:endParaRPr lang="zh-CN" altLang="en-US" sz="1200" dirty="0"/>
-            </a:p>
-          </p:txBody>
-        </p:sp>
-      </p:grpSp>
-    </p:spTree>
-    <p:extLst>
-      <p:ext uri="{BB962C8B-B14F-4D97-AF65-F5344CB8AC3E}">
-        <p14:creationId xmlns:p14="http://schemas.microsoft.com/office/powerpoint/2010/main" val="2118734967"/>
       </p:ext>
     </p:extLst>
   </p:cSld>
